--- a/Images.pptx
+++ b/Images.pptx
@@ -6,6 +6,7 @@
   </p:sldMasterIdLst>
   <p:sldIdLst>
     <p:sldId id="256" r:id="rId2"/>
+    <p:sldId id="257" r:id="rId3"/>
   </p:sldIdLst>
   <p:sldSz cx="12192000" cy="6858000"/>
   <p:notesSz cx="6858000" cy="9144000"/>
@@ -104,6 +105,11 @@
       </a:defRPr>
     </a:lvl9pPr>
   </p:defaultTextStyle>
+  <p:extLst>
+    <p:ext uri="{EFAFB233-063F-42B5-8137-9DF3F51BA10A}">
+      <p15:sldGuideLst xmlns:p15="http://schemas.microsoft.com/office/powerpoint/2012/main"/>
+    </p:ext>
+  </p:extLst>
 </p:presentation>
 </file>
 
@@ -256,7 +262,7 @@
           <a:p>
             <a:fld id="{56D5A66A-3357-4630-88A3-378A5EEB3FA3}" type="datetimeFigureOut">
               <a:rPr lang="en-GB" smtClean="0"/>
-              <a:t>23/03/2020</a:t>
+              <a:t>26/03/2020</a:t>
             </a:fld>
             <a:endParaRPr lang="en-GB"/>
           </a:p>
@@ -456,7 +462,7 @@
           <a:p>
             <a:fld id="{56D5A66A-3357-4630-88A3-378A5EEB3FA3}" type="datetimeFigureOut">
               <a:rPr lang="en-GB" smtClean="0"/>
-              <a:t>23/03/2020</a:t>
+              <a:t>26/03/2020</a:t>
             </a:fld>
             <a:endParaRPr lang="en-GB"/>
           </a:p>
@@ -666,7 +672,7 @@
           <a:p>
             <a:fld id="{56D5A66A-3357-4630-88A3-378A5EEB3FA3}" type="datetimeFigureOut">
               <a:rPr lang="en-GB" smtClean="0"/>
-              <a:t>23/03/2020</a:t>
+              <a:t>26/03/2020</a:t>
             </a:fld>
             <a:endParaRPr lang="en-GB"/>
           </a:p>
@@ -866,7 +872,7 @@
           <a:p>
             <a:fld id="{56D5A66A-3357-4630-88A3-378A5EEB3FA3}" type="datetimeFigureOut">
               <a:rPr lang="en-GB" smtClean="0"/>
-              <a:t>23/03/2020</a:t>
+              <a:t>26/03/2020</a:t>
             </a:fld>
             <a:endParaRPr lang="en-GB"/>
           </a:p>
@@ -1142,7 +1148,7 @@
           <a:p>
             <a:fld id="{56D5A66A-3357-4630-88A3-378A5EEB3FA3}" type="datetimeFigureOut">
               <a:rPr lang="en-GB" smtClean="0"/>
-              <a:t>23/03/2020</a:t>
+              <a:t>26/03/2020</a:t>
             </a:fld>
             <a:endParaRPr lang="en-GB"/>
           </a:p>
@@ -1410,7 +1416,7 @@
           <a:p>
             <a:fld id="{56D5A66A-3357-4630-88A3-378A5EEB3FA3}" type="datetimeFigureOut">
               <a:rPr lang="en-GB" smtClean="0"/>
-              <a:t>23/03/2020</a:t>
+              <a:t>26/03/2020</a:t>
             </a:fld>
             <a:endParaRPr lang="en-GB"/>
           </a:p>
@@ -1825,7 +1831,7 @@
           <a:p>
             <a:fld id="{56D5A66A-3357-4630-88A3-378A5EEB3FA3}" type="datetimeFigureOut">
               <a:rPr lang="en-GB" smtClean="0"/>
-              <a:t>23/03/2020</a:t>
+              <a:t>26/03/2020</a:t>
             </a:fld>
             <a:endParaRPr lang="en-GB"/>
           </a:p>
@@ -1967,7 +1973,7 @@
           <a:p>
             <a:fld id="{56D5A66A-3357-4630-88A3-378A5EEB3FA3}" type="datetimeFigureOut">
               <a:rPr lang="en-GB" smtClean="0"/>
-              <a:t>23/03/2020</a:t>
+              <a:t>26/03/2020</a:t>
             </a:fld>
             <a:endParaRPr lang="en-GB"/>
           </a:p>
@@ -2080,7 +2086,7 @@
           <a:p>
             <a:fld id="{56D5A66A-3357-4630-88A3-378A5EEB3FA3}" type="datetimeFigureOut">
               <a:rPr lang="en-GB" smtClean="0"/>
-              <a:t>23/03/2020</a:t>
+              <a:t>26/03/2020</a:t>
             </a:fld>
             <a:endParaRPr lang="en-GB"/>
           </a:p>
@@ -2393,7 +2399,7 @@
           <a:p>
             <a:fld id="{56D5A66A-3357-4630-88A3-378A5EEB3FA3}" type="datetimeFigureOut">
               <a:rPr lang="en-GB" smtClean="0"/>
-              <a:t>23/03/2020</a:t>
+              <a:t>26/03/2020</a:t>
             </a:fld>
             <a:endParaRPr lang="en-GB"/>
           </a:p>
@@ -2682,7 +2688,7 @@
           <a:p>
             <a:fld id="{56D5A66A-3357-4630-88A3-378A5EEB3FA3}" type="datetimeFigureOut">
               <a:rPr lang="en-GB" smtClean="0"/>
-              <a:t>23/03/2020</a:t>
+              <a:t>26/03/2020</a:t>
             </a:fld>
             <a:endParaRPr lang="en-GB"/>
           </a:p>
@@ -2925,7 +2931,7 @@
           <a:p>
             <a:fld id="{56D5A66A-3357-4630-88A3-378A5EEB3FA3}" type="datetimeFigureOut">
               <a:rPr lang="en-GB" smtClean="0"/>
-              <a:t>23/03/2020</a:t>
+              <a:t>26/03/2020</a:t>
             </a:fld>
             <a:endParaRPr lang="en-GB"/>
           </a:p>
@@ -4877,6 +4883,1163 @@
 </p:sld>
 </file>
 
+<file path=ppt/slides/slide2.xml><?xml version="1.0" encoding="utf-8"?>
+<p:sld xmlns:a="http://schemas.openxmlformats.org/drawingml/2006/main" xmlns:r="http://schemas.openxmlformats.org/officeDocument/2006/relationships" xmlns:p="http://schemas.openxmlformats.org/presentationml/2006/main">
+  <p:cSld>
+    <p:spTree>
+      <p:nvGrpSpPr>
+        <p:cNvPr id="1" name=""/>
+        <p:cNvGrpSpPr/>
+        <p:nvPr/>
+      </p:nvGrpSpPr>
+      <p:grpSpPr>
+        <a:xfrm>
+          <a:off x="0" y="0"/>
+          <a:ext cx="0" cy="0"/>
+          <a:chOff x="0" y="0"/>
+          <a:chExt cx="0" cy="0"/>
+        </a:xfrm>
+      </p:grpSpPr>
+      <p:sp>
+        <p:nvSpPr>
+          <p:cNvPr id="4" name="Rectangle 3">
+            <a:extLst>
+              <a:ext uri="{FF2B5EF4-FFF2-40B4-BE49-F238E27FC236}">
+                <a16:creationId xmlns:a16="http://schemas.microsoft.com/office/drawing/2014/main" id="{E42E3A88-770E-4442-B85A-773DDE12C862}"/>
+              </a:ext>
+            </a:extLst>
+          </p:cNvPr>
+          <p:cNvSpPr/>
+          <p:nvPr/>
+        </p:nvSpPr>
+        <p:spPr>
+          <a:xfrm>
+            <a:off x="540328" y="2377440"/>
+            <a:ext cx="2053244" cy="1180407"/>
+          </a:xfrm>
+          <a:prstGeom prst="rect">
+            <a:avLst/>
+          </a:prstGeom>
+        </p:spPr>
+        <p:style>
+          <a:lnRef idx="2">
+            <a:schemeClr val="accent1"/>
+          </a:lnRef>
+          <a:fillRef idx="1">
+            <a:schemeClr val="lt1"/>
+          </a:fillRef>
+          <a:effectRef idx="0">
+            <a:schemeClr val="accent1"/>
+          </a:effectRef>
+          <a:fontRef idx="minor">
+            <a:schemeClr val="dk1"/>
+          </a:fontRef>
+        </p:style>
+        <p:txBody>
+          <a:bodyPr rtlCol="0" anchor="ctr"/>
+          <a:lstStyle/>
+          <a:p>
+            <a:pPr algn="ctr"/>
+            <a:endParaRPr lang="en-GB"/>
+          </a:p>
+        </p:txBody>
+      </p:sp>
+      <p:sp>
+        <p:nvSpPr>
+          <p:cNvPr id="5" name="TextBox 4">
+            <a:extLst>
+              <a:ext uri="{FF2B5EF4-FFF2-40B4-BE49-F238E27FC236}">
+                <a16:creationId xmlns:a16="http://schemas.microsoft.com/office/drawing/2014/main" id="{DF974ADD-1976-44E3-B995-702450101FFA}"/>
+              </a:ext>
+            </a:extLst>
+          </p:cNvPr>
+          <p:cNvSpPr txBox="1"/>
+          <p:nvPr/>
+        </p:nvSpPr>
+        <p:spPr>
+          <a:xfrm>
+            <a:off x="598517" y="2492032"/>
+            <a:ext cx="1080654" cy="369332"/>
+          </a:xfrm>
+          <a:prstGeom prst="rect">
+            <a:avLst/>
+          </a:prstGeom>
+          <a:noFill/>
+        </p:spPr>
+        <p:txBody>
+          <a:bodyPr wrap="square" rtlCol="0">
+            <a:spAutoFit/>
+          </a:bodyPr>
+          <a:lstStyle/>
+          <a:p>
+            <a:r>
+              <a:rPr lang="en-GB" dirty="0"/>
+              <a:t>HTML</a:t>
+            </a:r>
+          </a:p>
+        </p:txBody>
+      </p:sp>
+      <p:sp>
+        <p:nvSpPr>
+          <p:cNvPr id="6" name="TextBox 5">
+            <a:extLst>
+              <a:ext uri="{FF2B5EF4-FFF2-40B4-BE49-F238E27FC236}">
+                <a16:creationId xmlns:a16="http://schemas.microsoft.com/office/drawing/2014/main" id="{9C1035EC-4A8B-4928-99AB-6E2D0D94019F}"/>
+              </a:ext>
+            </a:extLst>
+          </p:cNvPr>
+          <p:cNvSpPr txBox="1"/>
+          <p:nvPr/>
+        </p:nvSpPr>
+        <p:spPr>
+          <a:xfrm>
+            <a:off x="656706" y="2861364"/>
+            <a:ext cx="2227809" cy="523220"/>
+          </a:xfrm>
+          <a:prstGeom prst="rect">
+            <a:avLst/>
+          </a:prstGeom>
+          <a:noFill/>
+        </p:spPr>
+        <p:txBody>
+          <a:bodyPr wrap="square" rtlCol="0">
+            <a:spAutoFit/>
+          </a:bodyPr>
+          <a:lstStyle/>
+          <a:p>
+            <a:r>
+              <a:rPr lang="en-GB" sz="1400" dirty="0"/>
+              <a:t>General structure and layout of the webpage</a:t>
+            </a:r>
+          </a:p>
+        </p:txBody>
+      </p:sp>
+      <p:sp>
+        <p:nvSpPr>
+          <p:cNvPr id="7" name="Rectangle 6">
+            <a:extLst>
+              <a:ext uri="{FF2B5EF4-FFF2-40B4-BE49-F238E27FC236}">
+                <a16:creationId xmlns:a16="http://schemas.microsoft.com/office/drawing/2014/main" id="{25D1C06B-8389-41AB-82A8-E8485AA6FD28}"/>
+              </a:ext>
+            </a:extLst>
+          </p:cNvPr>
+          <p:cNvSpPr/>
+          <p:nvPr/>
+        </p:nvSpPr>
+        <p:spPr>
+          <a:xfrm>
+            <a:off x="3510743" y="2377440"/>
+            <a:ext cx="2053244" cy="1180407"/>
+          </a:xfrm>
+          <a:prstGeom prst="rect">
+            <a:avLst/>
+          </a:prstGeom>
+        </p:spPr>
+        <p:style>
+          <a:lnRef idx="2">
+            <a:schemeClr val="accent1"/>
+          </a:lnRef>
+          <a:fillRef idx="1">
+            <a:schemeClr val="lt1"/>
+          </a:fillRef>
+          <a:effectRef idx="0">
+            <a:schemeClr val="accent1"/>
+          </a:effectRef>
+          <a:fontRef idx="minor">
+            <a:schemeClr val="dk1"/>
+          </a:fontRef>
+        </p:style>
+        <p:txBody>
+          <a:bodyPr rtlCol="0" anchor="ctr"/>
+          <a:lstStyle/>
+          <a:p>
+            <a:pPr algn="ctr"/>
+            <a:endParaRPr lang="en-GB"/>
+          </a:p>
+        </p:txBody>
+      </p:sp>
+      <p:sp>
+        <p:nvSpPr>
+          <p:cNvPr id="8" name="TextBox 7">
+            <a:extLst>
+              <a:ext uri="{FF2B5EF4-FFF2-40B4-BE49-F238E27FC236}">
+                <a16:creationId xmlns:a16="http://schemas.microsoft.com/office/drawing/2014/main" id="{866F60DB-C9D3-4AC2-8F87-F1B1467F3D9D}"/>
+              </a:ext>
+            </a:extLst>
+          </p:cNvPr>
+          <p:cNvSpPr txBox="1"/>
+          <p:nvPr/>
+        </p:nvSpPr>
+        <p:spPr>
+          <a:xfrm>
+            <a:off x="3568931" y="2492032"/>
+            <a:ext cx="1202573" cy="369332"/>
+          </a:xfrm>
+          <a:prstGeom prst="rect">
+            <a:avLst/>
+          </a:prstGeom>
+          <a:noFill/>
+        </p:spPr>
+        <p:txBody>
+          <a:bodyPr wrap="square" rtlCol="0">
+            <a:spAutoFit/>
+          </a:bodyPr>
+          <a:lstStyle/>
+          <a:p>
+            <a:r>
+              <a:rPr lang="en-GB" dirty="0"/>
+              <a:t>JavaScript</a:t>
+            </a:r>
+          </a:p>
+        </p:txBody>
+      </p:sp>
+      <p:sp>
+        <p:nvSpPr>
+          <p:cNvPr id="9" name="TextBox 8">
+            <a:extLst>
+              <a:ext uri="{FF2B5EF4-FFF2-40B4-BE49-F238E27FC236}">
+                <a16:creationId xmlns:a16="http://schemas.microsoft.com/office/drawing/2014/main" id="{1467A636-1E31-49A1-A516-8C50C04FF419}"/>
+              </a:ext>
+            </a:extLst>
+          </p:cNvPr>
+          <p:cNvSpPr txBox="1"/>
+          <p:nvPr/>
+        </p:nvSpPr>
+        <p:spPr>
+          <a:xfrm>
+            <a:off x="3627122" y="2861364"/>
+            <a:ext cx="1659774" cy="523220"/>
+          </a:xfrm>
+          <a:prstGeom prst="rect">
+            <a:avLst/>
+          </a:prstGeom>
+          <a:noFill/>
+        </p:spPr>
+        <p:txBody>
+          <a:bodyPr wrap="square" rtlCol="0">
+            <a:spAutoFit/>
+          </a:bodyPr>
+          <a:lstStyle/>
+          <a:p>
+            <a:r>
+              <a:rPr lang="en-GB" sz="1400" dirty="0"/>
+              <a:t>Specific setup the your map</a:t>
+            </a:r>
+          </a:p>
+        </p:txBody>
+      </p:sp>
+      <p:sp>
+        <p:nvSpPr>
+          <p:cNvPr id="10" name="Rectangle 9">
+            <a:extLst>
+              <a:ext uri="{FF2B5EF4-FFF2-40B4-BE49-F238E27FC236}">
+                <a16:creationId xmlns:a16="http://schemas.microsoft.com/office/drawing/2014/main" id="{C04A24C8-5B1C-4F59-B3B7-8B052FDC4EC5}"/>
+              </a:ext>
+            </a:extLst>
+          </p:cNvPr>
+          <p:cNvSpPr/>
+          <p:nvPr/>
+        </p:nvSpPr>
+        <p:spPr>
+          <a:xfrm>
+            <a:off x="3480159" y="566180"/>
+            <a:ext cx="2053244" cy="1180407"/>
+          </a:xfrm>
+          <a:prstGeom prst="rect">
+            <a:avLst/>
+          </a:prstGeom>
+        </p:spPr>
+        <p:style>
+          <a:lnRef idx="2">
+            <a:schemeClr val="accent1"/>
+          </a:lnRef>
+          <a:fillRef idx="1">
+            <a:schemeClr val="lt1"/>
+          </a:fillRef>
+          <a:effectRef idx="0">
+            <a:schemeClr val="accent1"/>
+          </a:effectRef>
+          <a:fontRef idx="minor">
+            <a:schemeClr val="dk1"/>
+          </a:fontRef>
+        </p:style>
+        <p:txBody>
+          <a:bodyPr rtlCol="0" anchor="ctr"/>
+          <a:lstStyle/>
+          <a:p>
+            <a:pPr algn="ctr"/>
+            <a:endParaRPr lang="en-GB"/>
+          </a:p>
+        </p:txBody>
+      </p:sp>
+      <p:sp>
+        <p:nvSpPr>
+          <p:cNvPr id="11" name="TextBox 10">
+            <a:extLst>
+              <a:ext uri="{FF2B5EF4-FFF2-40B4-BE49-F238E27FC236}">
+                <a16:creationId xmlns:a16="http://schemas.microsoft.com/office/drawing/2014/main" id="{A37C455B-7C49-437C-AEA8-522C6ADDDF38}"/>
+              </a:ext>
+            </a:extLst>
+          </p:cNvPr>
+          <p:cNvSpPr txBox="1"/>
+          <p:nvPr/>
+        </p:nvSpPr>
+        <p:spPr>
+          <a:xfrm>
+            <a:off x="3538347" y="680772"/>
+            <a:ext cx="1560022" cy="369332"/>
+          </a:xfrm>
+          <a:prstGeom prst="rect">
+            <a:avLst/>
+          </a:prstGeom>
+          <a:noFill/>
+        </p:spPr>
+        <p:txBody>
+          <a:bodyPr wrap="square" rtlCol="0">
+            <a:spAutoFit/>
+          </a:bodyPr>
+          <a:lstStyle/>
+          <a:p>
+            <a:r>
+              <a:rPr lang="en-GB" dirty="0" err="1"/>
+              <a:t>Mapbox</a:t>
+            </a:r>
+            <a:r>
+              <a:rPr lang="en-GB" dirty="0"/>
+              <a:t> GL JS</a:t>
+            </a:r>
+          </a:p>
+        </p:txBody>
+      </p:sp>
+      <p:sp>
+        <p:nvSpPr>
+          <p:cNvPr id="12" name="TextBox 11">
+            <a:extLst>
+              <a:ext uri="{FF2B5EF4-FFF2-40B4-BE49-F238E27FC236}">
+                <a16:creationId xmlns:a16="http://schemas.microsoft.com/office/drawing/2014/main" id="{65A93C99-D3FC-4F8E-A954-33B199017F8F}"/>
+              </a:ext>
+            </a:extLst>
+          </p:cNvPr>
+          <p:cNvSpPr txBox="1"/>
+          <p:nvPr/>
+        </p:nvSpPr>
+        <p:spPr>
+          <a:xfrm>
+            <a:off x="3538347" y="1050104"/>
+            <a:ext cx="1659774" cy="523220"/>
+          </a:xfrm>
+          <a:prstGeom prst="rect">
+            <a:avLst/>
+          </a:prstGeom>
+          <a:noFill/>
+        </p:spPr>
+        <p:txBody>
+          <a:bodyPr wrap="square" rtlCol="0">
+            <a:spAutoFit/>
+          </a:bodyPr>
+          <a:lstStyle/>
+          <a:p>
+            <a:r>
+              <a:rPr lang="en-GB" sz="1400" dirty="0"/>
+              <a:t>JavaScript library for creating maps</a:t>
+            </a:r>
+          </a:p>
+        </p:txBody>
+      </p:sp>
+      <p:sp>
+        <p:nvSpPr>
+          <p:cNvPr id="13" name="Rectangle 12">
+            <a:extLst>
+              <a:ext uri="{FF2B5EF4-FFF2-40B4-BE49-F238E27FC236}">
+                <a16:creationId xmlns:a16="http://schemas.microsoft.com/office/drawing/2014/main" id="{008228D0-3EC4-42F3-8BDC-133CCAB170EB}"/>
+              </a:ext>
+            </a:extLst>
+          </p:cNvPr>
+          <p:cNvSpPr/>
+          <p:nvPr/>
+        </p:nvSpPr>
+        <p:spPr>
+          <a:xfrm>
+            <a:off x="6145673" y="566180"/>
+            <a:ext cx="1817716" cy="3624351"/>
+          </a:xfrm>
+          <a:prstGeom prst="rect">
+            <a:avLst/>
+          </a:prstGeom>
+        </p:spPr>
+        <p:style>
+          <a:lnRef idx="2">
+            <a:schemeClr val="accent1"/>
+          </a:lnRef>
+          <a:fillRef idx="1">
+            <a:schemeClr val="lt1"/>
+          </a:fillRef>
+          <a:effectRef idx="0">
+            <a:schemeClr val="accent1"/>
+          </a:effectRef>
+          <a:fontRef idx="minor">
+            <a:schemeClr val="dk1"/>
+          </a:fontRef>
+        </p:style>
+        <p:txBody>
+          <a:bodyPr rtlCol="0" anchor="ctr"/>
+          <a:lstStyle/>
+          <a:p>
+            <a:pPr algn="ctr"/>
+            <a:endParaRPr lang="en-GB"/>
+          </a:p>
+        </p:txBody>
+      </p:sp>
+      <p:sp>
+        <p:nvSpPr>
+          <p:cNvPr id="14" name="TextBox 13">
+            <a:extLst>
+              <a:ext uri="{FF2B5EF4-FFF2-40B4-BE49-F238E27FC236}">
+                <a16:creationId xmlns:a16="http://schemas.microsoft.com/office/drawing/2014/main" id="{052D10B2-FD5D-4C6F-BCD0-AE194006B0D0}"/>
+              </a:ext>
+            </a:extLst>
+          </p:cNvPr>
+          <p:cNvSpPr txBox="1"/>
+          <p:nvPr/>
+        </p:nvSpPr>
+        <p:spPr>
+          <a:xfrm>
+            <a:off x="6203861" y="680773"/>
+            <a:ext cx="1202573" cy="369332"/>
+          </a:xfrm>
+          <a:prstGeom prst="rect">
+            <a:avLst/>
+          </a:prstGeom>
+          <a:noFill/>
+        </p:spPr>
+        <p:txBody>
+          <a:bodyPr wrap="square" rtlCol="0">
+            <a:spAutoFit/>
+          </a:bodyPr>
+          <a:lstStyle/>
+          <a:p>
+            <a:r>
+              <a:rPr lang="en-GB" dirty="0" err="1"/>
+              <a:t>Style.json</a:t>
+            </a:r>
+            <a:endParaRPr lang="en-GB" dirty="0"/>
+          </a:p>
+        </p:txBody>
+      </p:sp>
+      <p:sp>
+        <p:nvSpPr>
+          <p:cNvPr id="15" name="TextBox 14">
+            <a:extLst>
+              <a:ext uri="{FF2B5EF4-FFF2-40B4-BE49-F238E27FC236}">
+                <a16:creationId xmlns:a16="http://schemas.microsoft.com/office/drawing/2014/main" id="{E43293AD-9469-4174-8420-062949FA91FC}"/>
+              </a:ext>
+            </a:extLst>
+          </p:cNvPr>
+          <p:cNvSpPr txBox="1"/>
+          <p:nvPr/>
+        </p:nvSpPr>
+        <p:spPr>
+          <a:xfrm>
+            <a:off x="6203861" y="975291"/>
+            <a:ext cx="1759528" cy="3108543"/>
+          </a:xfrm>
+          <a:prstGeom prst="rect">
+            <a:avLst/>
+          </a:prstGeom>
+          <a:noFill/>
+        </p:spPr>
+        <p:txBody>
+          <a:bodyPr wrap="square" rtlCol="0">
+            <a:spAutoFit/>
+          </a:bodyPr>
+          <a:lstStyle/>
+          <a:p>
+            <a:r>
+              <a:rPr lang="en-GB" sz="1400" dirty="0"/>
+              <a:t>Defines where to get data from and how it should be visualised</a:t>
+            </a:r>
+          </a:p>
+          <a:p>
+            <a:endParaRPr lang="en-GB" sz="1400" dirty="0"/>
+          </a:p>
+          <a:p>
+            <a:r>
+              <a:rPr lang="en-GB" sz="1400" b="1" dirty="0"/>
+              <a:t>Sources</a:t>
+            </a:r>
+          </a:p>
+          <a:p>
+            <a:endParaRPr lang="en-GB" sz="1400" dirty="0"/>
+          </a:p>
+          <a:p>
+            <a:endParaRPr lang="en-GB" sz="1400" dirty="0"/>
+          </a:p>
+          <a:p>
+            <a:r>
+              <a:rPr lang="en-GB" sz="1400" b="1" dirty="0"/>
+              <a:t>Glyphs</a:t>
+            </a:r>
+          </a:p>
+          <a:p>
+            <a:endParaRPr lang="en-GB" sz="1400" dirty="0"/>
+          </a:p>
+          <a:p>
+            <a:endParaRPr lang="en-GB" sz="1400" dirty="0"/>
+          </a:p>
+          <a:p>
+            <a:r>
+              <a:rPr lang="en-GB" sz="1400" b="1" dirty="0"/>
+              <a:t>Layers</a:t>
+            </a:r>
+          </a:p>
+          <a:p>
+            <a:r>
+              <a:rPr lang="en-GB" sz="1400" dirty="0"/>
+              <a:t>Instructions on how the tiles should be visualised</a:t>
+            </a:r>
+          </a:p>
+        </p:txBody>
+      </p:sp>
+      <p:sp>
+        <p:nvSpPr>
+          <p:cNvPr id="16" name="Rectangle 15">
+            <a:extLst>
+              <a:ext uri="{FF2B5EF4-FFF2-40B4-BE49-F238E27FC236}">
+                <a16:creationId xmlns:a16="http://schemas.microsoft.com/office/drawing/2014/main" id="{8684501E-8BD0-47DB-B96E-E182C97FD405}"/>
+              </a:ext>
+            </a:extLst>
+          </p:cNvPr>
+          <p:cNvSpPr/>
+          <p:nvPr/>
+        </p:nvSpPr>
+        <p:spPr>
+          <a:xfrm>
+            <a:off x="8696503" y="1139014"/>
+            <a:ext cx="2546465" cy="776960"/>
+          </a:xfrm>
+          <a:prstGeom prst="rect">
+            <a:avLst/>
+          </a:prstGeom>
+        </p:spPr>
+        <p:style>
+          <a:lnRef idx="2">
+            <a:schemeClr val="accent1"/>
+          </a:lnRef>
+          <a:fillRef idx="1">
+            <a:schemeClr val="lt1"/>
+          </a:fillRef>
+          <a:effectRef idx="0">
+            <a:schemeClr val="accent1"/>
+          </a:effectRef>
+          <a:fontRef idx="minor">
+            <a:schemeClr val="dk1"/>
+          </a:fontRef>
+        </p:style>
+        <p:txBody>
+          <a:bodyPr rtlCol="0" anchor="ctr"/>
+          <a:lstStyle/>
+          <a:p>
+            <a:pPr algn="ctr"/>
+            <a:endParaRPr lang="en-GB"/>
+          </a:p>
+        </p:txBody>
+      </p:sp>
+      <p:sp>
+        <p:nvSpPr>
+          <p:cNvPr id="17" name="TextBox 16">
+            <a:extLst>
+              <a:ext uri="{FF2B5EF4-FFF2-40B4-BE49-F238E27FC236}">
+                <a16:creationId xmlns:a16="http://schemas.microsoft.com/office/drawing/2014/main" id="{BA8EED0C-B618-4979-81A7-2DB3E5422DDF}"/>
+              </a:ext>
+            </a:extLst>
+          </p:cNvPr>
+          <p:cNvSpPr txBox="1"/>
+          <p:nvPr/>
+        </p:nvSpPr>
+        <p:spPr>
+          <a:xfrm>
+            <a:off x="8754692" y="1253606"/>
+            <a:ext cx="2219487" cy="369332"/>
+          </a:xfrm>
+          <a:prstGeom prst="rect">
+            <a:avLst/>
+          </a:prstGeom>
+          <a:noFill/>
+        </p:spPr>
+        <p:txBody>
+          <a:bodyPr wrap="square" rtlCol="0">
+            <a:spAutoFit/>
+          </a:bodyPr>
+          <a:lstStyle/>
+          <a:p>
+            <a:r>
+              <a:rPr lang="en-GB" dirty="0"/>
+              <a:t>Folder of Vector Tiles</a:t>
+            </a:r>
+          </a:p>
+        </p:txBody>
+      </p:sp>
+      <p:sp>
+        <p:nvSpPr>
+          <p:cNvPr id="18" name="TextBox 17">
+            <a:extLst>
+              <a:ext uri="{FF2B5EF4-FFF2-40B4-BE49-F238E27FC236}">
+                <a16:creationId xmlns:a16="http://schemas.microsoft.com/office/drawing/2014/main" id="{E9C8CF79-A3C2-47B5-90D4-6BF7079A078D}"/>
+              </a:ext>
+            </a:extLst>
+          </p:cNvPr>
+          <p:cNvSpPr txBox="1"/>
+          <p:nvPr/>
+        </p:nvSpPr>
+        <p:spPr>
+          <a:xfrm>
+            <a:off x="8754692" y="1491252"/>
+            <a:ext cx="2488276" cy="307777"/>
+          </a:xfrm>
+          <a:prstGeom prst="rect">
+            <a:avLst/>
+          </a:prstGeom>
+          <a:noFill/>
+        </p:spPr>
+        <p:txBody>
+          <a:bodyPr wrap="square" rtlCol="0">
+            <a:spAutoFit/>
+          </a:bodyPr>
+          <a:lstStyle/>
+          <a:p>
+            <a:r>
+              <a:rPr lang="en-GB" sz="1400" dirty="0" err="1"/>
+              <a:t>basemap</a:t>
+            </a:r>
+            <a:r>
+              <a:rPr lang="en-GB" sz="1400" dirty="0"/>
+              <a:t>/{z}/{x}/{y}.</a:t>
+            </a:r>
+            <a:r>
+              <a:rPr lang="en-GB" sz="1400" dirty="0" err="1"/>
+              <a:t>pbf</a:t>
+            </a:r>
+            <a:endParaRPr lang="en-GB" sz="1400" dirty="0"/>
+          </a:p>
+        </p:txBody>
+      </p:sp>
+      <p:sp>
+        <p:nvSpPr>
+          <p:cNvPr id="21" name="Rectangle 20">
+            <a:extLst>
+              <a:ext uri="{FF2B5EF4-FFF2-40B4-BE49-F238E27FC236}">
+                <a16:creationId xmlns:a16="http://schemas.microsoft.com/office/drawing/2014/main" id="{EE1907F4-7425-4835-8E79-84FD671A2A1E}"/>
+              </a:ext>
+            </a:extLst>
+          </p:cNvPr>
+          <p:cNvSpPr/>
+          <p:nvPr/>
+        </p:nvSpPr>
+        <p:spPr>
+          <a:xfrm>
+            <a:off x="8696503" y="2030566"/>
+            <a:ext cx="2546465" cy="776960"/>
+          </a:xfrm>
+          <a:prstGeom prst="rect">
+            <a:avLst/>
+          </a:prstGeom>
+        </p:spPr>
+        <p:style>
+          <a:lnRef idx="2">
+            <a:schemeClr val="accent1"/>
+          </a:lnRef>
+          <a:fillRef idx="1">
+            <a:schemeClr val="lt1"/>
+          </a:fillRef>
+          <a:effectRef idx="0">
+            <a:schemeClr val="accent1"/>
+          </a:effectRef>
+          <a:fontRef idx="minor">
+            <a:schemeClr val="dk1"/>
+          </a:fontRef>
+        </p:style>
+        <p:txBody>
+          <a:bodyPr rtlCol="0" anchor="ctr"/>
+          <a:lstStyle/>
+          <a:p>
+            <a:pPr algn="ctr"/>
+            <a:endParaRPr lang="en-GB"/>
+          </a:p>
+        </p:txBody>
+      </p:sp>
+      <p:sp>
+        <p:nvSpPr>
+          <p:cNvPr id="22" name="TextBox 21">
+            <a:extLst>
+              <a:ext uri="{FF2B5EF4-FFF2-40B4-BE49-F238E27FC236}">
+                <a16:creationId xmlns:a16="http://schemas.microsoft.com/office/drawing/2014/main" id="{88089BD5-22AA-4411-945A-77C48EB3C898}"/>
+              </a:ext>
+            </a:extLst>
+          </p:cNvPr>
+          <p:cNvSpPr txBox="1"/>
+          <p:nvPr/>
+        </p:nvSpPr>
+        <p:spPr>
+          <a:xfrm>
+            <a:off x="8754692" y="2145158"/>
+            <a:ext cx="2219487" cy="369332"/>
+          </a:xfrm>
+          <a:prstGeom prst="rect">
+            <a:avLst/>
+          </a:prstGeom>
+          <a:noFill/>
+        </p:spPr>
+        <p:txBody>
+          <a:bodyPr wrap="square" rtlCol="0">
+            <a:spAutoFit/>
+          </a:bodyPr>
+          <a:lstStyle/>
+          <a:p>
+            <a:r>
+              <a:rPr lang="en-GB" dirty="0"/>
+              <a:t>Folder of Vector Tiles</a:t>
+            </a:r>
+          </a:p>
+        </p:txBody>
+      </p:sp>
+      <p:sp>
+        <p:nvSpPr>
+          <p:cNvPr id="23" name="TextBox 22">
+            <a:extLst>
+              <a:ext uri="{FF2B5EF4-FFF2-40B4-BE49-F238E27FC236}">
+                <a16:creationId xmlns:a16="http://schemas.microsoft.com/office/drawing/2014/main" id="{3808B918-69A6-46D2-9E1A-9E5848BB4371}"/>
+              </a:ext>
+            </a:extLst>
+          </p:cNvPr>
+          <p:cNvSpPr txBox="1"/>
+          <p:nvPr/>
+        </p:nvSpPr>
+        <p:spPr>
+          <a:xfrm>
+            <a:off x="8754692" y="2382804"/>
+            <a:ext cx="2488276" cy="307777"/>
+          </a:xfrm>
+          <a:prstGeom prst="rect">
+            <a:avLst/>
+          </a:prstGeom>
+          <a:noFill/>
+        </p:spPr>
+        <p:txBody>
+          <a:bodyPr wrap="square" rtlCol="0">
+            <a:spAutoFit/>
+          </a:bodyPr>
+          <a:lstStyle/>
+          <a:p>
+            <a:r>
+              <a:rPr lang="en-GB" sz="1400" dirty="0" err="1"/>
+              <a:t>mydata</a:t>
+            </a:r>
+            <a:r>
+              <a:rPr lang="en-GB" sz="1400" dirty="0"/>
+              <a:t>/{z}/{x}/{y}.</a:t>
+            </a:r>
+            <a:r>
+              <a:rPr lang="en-GB" sz="1400" dirty="0" err="1"/>
+              <a:t>pbf</a:t>
+            </a:r>
+            <a:endParaRPr lang="en-GB" sz="1400" dirty="0"/>
+          </a:p>
+        </p:txBody>
+      </p:sp>
+      <p:sp>
+        <p:nvSpPr>
+          <p:cNvPr id="24" name="Rectangle 23">
+            <a:extLst>
+              <a:ext uri="{FF2B5EF4-FFF2-40B4-BE49-F238E27FC236}">
+                <a16:creationId xmlns:a16="http://schemas.microsoft.com/office/drawing/2014/main" id="{A118E25B-9F4B-4B28-B5C7-FB13A33B461E}"/>
+              </a:ext>
+            </a:extLst>
+          </p:cNvPr>
+          <p:cNvSpPr/>
+          <p:nvPr/>
+        </p:nvSpPr>
+        <p:spPr>
+          <a:xfrm>
+            <a:off x="8696503" y="3154034"/>
+            <a:ext cx="2546465" cy="776960"/>
+          </a:xfrm>
+          <a:prstGeom prst="rect">
+            <a:avLst/>
+          </a:prstGeom>
+        </p:spPr>
+        <p:style>
+          <a:lnRef idx="2">
+            <a:schemeClr val="accent1"/>
+          </a:lnRef>
+          <a:fillRef idx="1">
+            <a:schemeClr val="lt1"/>
+          </a:fillRef>
+          <a:effectRef idx="0">
+            <a:schemeClr val="accent1"/>
+          </a:effectRef>
+          <a:fontRef idx="minor">
+            <a:schemeClr val="dk1"/>
+          </a:fontRef>
+        </p:style>
+        <p:txBody>
+          <a:bodyPr rtlCol="0" anchor="ctr"/>
+          <a:lstStyle/>
+          <a:p>
+            <a:pPr algn="ctr"/>
+            <a:endParaRPr lang="en-GB"/>
+          </a:p>
+        </p:txBody>
+      </p:sp>
+      <p:sp>
+        <p:nvSpPr>
+          <p:cNvPr id="25" name="TextBox 24">
+            <a:extLst>
+              <a:ext uri="{FF2B5EF4-FFF2-40B4-BE49-F238E27FC236}">
+                <a16:creationId xmlns:a16="http://schemas.microsoft.com/office/drawing/2014/main" id="{D62F6749-F259-42CC-93AB-45CAF46D8917}"/>
+              </a:ext>
+            </a:extLst>
+          </p:cNvPr>
+          <p:cNvSpPr txBox="1"/>
+          <p:nvPr/>
+        </p:nvSpPr>
+        <p:spPr>
+          <a:xfrm>
+            <a:off x="8754692" y="3268626"/>
+            <a:ext cx="2219487" cy="369332"/>
+          </a:xfrm>
+          <a:prstGeom prst="rect">
+            <a:avLst/>
+          </a:prstGeom>
+          <a:noFill/>
+        </p:spPr>
+        <p:txBody>
+          <a:bodyPr wrap="square" rtlCol="0">
+            <a:spAutoFit/>
+          </a:bodyPr>
+          <a:lstStyle/>
+          <a:p>
+            <a:r>
+              <a:rPr lang="en-GB" dirty="0"/>
+              <a:t>Folder of Fonts</a:t>
+            </a:r>
+          </a:p>
+        </p:txBody>
+      </p:sp>
+      <p:sp>
+        <p:nvSpPr>
+          <p:cNvPr id="26" name="TextBox 25">
+            <a:extLst>
+              <a:ext uri="{FF2B5EF4-FFF2-40B4-BE49-F238E27FC236}">
+                <a16:creationId xmlns:a16="http://schemas.microsoft.com/office/drawing/2014/main" id="{E666261C-3ACB-41AC-AE55-C14B33E7BE38}"/>
+              </a:ext>
+            </a:extLst>
+          </p:cNvPr>
+          <p:cNvSpPr txBox="1"/>
+          <p:nvPr/>
+        </p:nvSpPr>
+        <p:spPr>
+          <a:xfrm>
+            <a:off x="8754692" y="3506272"/>
+            <a:ext cx="2488276" cy="307777"/>
+          </a:xfrm>
+          <a:prstGeom prst="rect">
+            <a:avLst/>
+          </a:prstGeom>
+          <a:noFill/>
+        </p:spPr>
+        <p:txBody>
+          <a:bodyPr wrap="square" rtlCol="0">
+            <a:spAutoFit/>
+          </a:bodyPr>
+          <a:lstStyle/>
+          <a:p>
+            <a:r>
+              <a:rPr lang="en-GB" sz="1400" dirty="0"/>
+              <a:t>fonts/{</a:t>
+            </a:r>
+            <a:r>
+              <a:rPr lang="en-GB" sz="1400" dirty="0" err="1"/>
+              <a:t>fontstack</a:t>
+            </a:r>
+            <a:r>
+              <a:rPr lang="en-GB" sz="1400" dirty="0"/>
+              <a:t>}/{range}.</a:t>
+            </a:r>
+            <a:r>
+              <a:rPr lang="en-GB" sz="1400" dirty="0" err="1"/>
+              <a:t>pbf</a:t>
+            </a:r>
+            <a:endParaRPr lang="en-GB" sz="1400" dirty="0"/>
+          </a:p>
+        </p:txBody>
+      </p:sp>
+      <p:cxnSp>
+        <p:nvCxnSpPr>
+          <p:cNvPr id="31" name="Straight Arrow Connector 30">
+            <a:extLst>
+              <a:ext uri="{FF2B5EF4-FFF2-40B4-BE49-F238E27FC236}">
+                <a16:creationId xmlns:a16="http://schemas.microsoft.com/office/drawing/2014/main" id="{08305045-E4FD-443E-A1B6-FCDA4DDB3E96}"/>
+              </a:ext>
+            </a:extLst>
+          </p:cNvPr>
+          <p:cNvCxnSpPr/>
+          <p:nvPr/>
+        </p:nvCxnSpPr>
+        <p:spPr>
+          <a:xfrm>
+            <a:off x="2771336" y="2959838"/>
+            <a:ext cx="618978" cy="0"/>
+          </a:xfrm>
+          <a:prstGeom prst="straightConnector1">
+            <a:avLst/>
+          </a:prstGeom>
+          <a:ln w="76200">
+            <a:tailEnd type="triangle"/>
+          </a:ln>
+        </p:spPr>
+        <p:style>
+          <a:lnRef idx="1">
+            <a:schemeClr val="accent1"/>
+          </a:lnRef>
+          <a:fillRef idx="0">
+            <a:schemeClr val="accent1"/>
+          </a:fillRef>
+          <a:effectRef idx="0">
+            <a:schemeClr val="accent1"/>
+          </a:effectRef>
+          <a:fontRef idx="minor">
+            <a:schemeClr val="tx1"/>
+          </a:fontRef>
+        </p:style>
+      </p:cxnSp>
+      <p:cxnSp>
+        <p:nvCxnSpPr>
+          <p:cNvPr id="32" name="Straight Arrow Connector 31">
+            <a:extLst>
+              <a:ext uri="{FF2B5EF4-FFF2-40B4-BE49-F238E27FC236}">
+                <a16:creationId xmlns:a16="http://schemas.microsoft.com/office/drawing/2014/main" id="{AA82A6AC-1C1A-4631-93A8-9F3E49568B4E}"/>
+              </a:ext>
+            </a:extLst>
+          </p:cNvPr>
+          <p:cNvCxnSpPr>
+            <a:cxnSpLocks/>
+          </p:cNvCxnSpPr>
+          <p:nvPr/>
+        </p:nvCxnSpPr>
+        <p:spPr>
+          <a:xfrm>
+            <a:off x="4506781" y="1852867"/>
+            <a:ext cx="0" cy="465905"/>
+          </a:xfrm>
+          <a:prstGeom prst="straightConnector1">
+            <a:avLst/>
+          </a:prstGeom>
+          <a:ln w="76200">
+            <a:tailEnd type="triangle"/>
+          </a:ln>
+        </p:spPr>
+        <p:style>
+          <a:lnRef idx="1">
+            <a:schemeClr val="accent1"/>
+          </a:lnRef>
+          <a:fillRef idx="0">
+            <a:schemeClr val="accent1"/>
+          </a:fillRef>
+          <a:effectRef idx="0">
+            <a:schemeClr val="accent1"/>
+          </a:effectRef>
+          <a:fontRef idx="minor">
+            <a:schemeClr val="tx1"/>
+          </a:fontRef>
+        </p:style>
+      </p:cxnSp>
+      <p:cxnSp>
+        <p:nvCxnSpPr>
+          <p:cNvPr id="35" name="Straight Arrow Connector 34">
+            <a:extLst>
+              <a:ext uri="{FF2B5EF4-FFF2-40B4-BE49-F238E27FC236}">
+                <a16:creationId xmlns:a16="http://schemas.microsoft.com/office/drawing/2014/main" id="{572D6829-46A5-4A17-8DBD-C1DC822CD38C}"/>
+              </a:ext>
+            </a:extLst>
+          </p:cNvPr>
+          <p:cNvCxnSpPr>
+            <a:cxnSpLocks/>
+          </p:cNvCxnSpPr>
+          <p:nvPr/>
+        </p:nvCxnSpPr>
+        <p:spPr>
+          <a:xfrm>
+            <a:off x="5661816" y="2959838"/>
+            <a:ext cx="434184" cy="0"/>
+          </a:xfrm>
+          <a:prstGeom prst="straightConnector1">
+            <a:avLst/>
+          </a:prstGeom>
+          <a:ln w="76200">
+            <a:tailEnd type="triangle"/>
+          </a:ln>
+        </p:spPr>
+        <p:style>
+          <a:lnRef idx="1">
+            <a:schemeClr val="accent1"/>
+          </a:lnRef>
+          <a:fillRef idx="0">
+            <a:schemeClr val="accent1"/>
+          </a:fillRef>
+          <a:effectRef idx="0">
+            <a:schemeClr val="accent1"/>
+          </a:effectRef>
+          <a:fontRef idx="minor">
+            <a:schemeClr val="tx1"/>
+          </a:fontRef>
+        </p:style>
+      </p:cxnSp>
+      <p:sp>
+        <p:nvSpPr>
+          <p:cNvPr id="37" name="Left Brace 36">
+            <a:extLst>
+              <a:ext uri="{FF2B5EF4-FFF2-40B4-BE49-F238E27FC236}">
+                <a16:creationId xmlns:a16="http://schemas.microsoft.com/office/drawing/2014/main" id="{1C83E22F-DE61-49CB-BD2C-2E355DDE0A3B}"/>
+              </a:ext>
+            </a:extLst>
+          </p:cNvPr>
+          <p:cNvSpPr/>
+          <p:nvPr/>
+        </p:nvSpPr>
+        <p:spPr>
+          <a:xfrm>
+            <a:off x="8323605" y="1622938"/>
+            <a:ext cx="341240" cy="776960"/>
+          </a:xfrm>
+          <a:prstGeom prst="leftBrace">
+            <a:avLst>
+              <a:gd name="adj1" fmla="val 53681"/>
+              <a:gd name="adj2" fmla="val 50000"/>
+            </a:avLst>
+          </a:prstGeom>
+          <a:ln w="76200">
+            <a:solidFill>
+              <a:schemeClr val="accent1"/>
+            </a:solidFill>
+          </a:ln>
+        </p:spPr>
+        <p:style>
+          <a:lnRef idx="1">
+            <a:schemeClr val="accent1"/>
+          </a:lnRef>
+          <a:fillRef idx="0">
+            <a:schemeClr val="accent1"/>
+          </a:fillRef>
+          <a:effectRef idx="0">
+            <a:schemeClr val="accent1"/>
+          </a:effectRef>
+          <a:fontRef idx="minor">
+            <a:schemeClr val="tx1"/>
+          </a:fontRef>
+        </p:style>
+        <p:txBody>
+          <a:bodyPr rtlCol="0" anchor="ctr"/>
+          <a:lstStyle/>
+          <a:p>
+            <a:pPr algn="ctr"/>
+            <a:endParaRPr lang="en-GB"/>
+          </a:p>
+        </p:txBody>
+      </p:sp>
+      <p:cxnSp>
+        <p:nvCxnSpPr>
+          <p:cNvPr id="39" name="Straight Connector 38">
+            <a:extLst>
+              <a:ext uri="{FF2B5EF4-FFF2-40B4-BE49-F238E27FC236}">
+                <a16:creationId xmlns:a16="http://schemas.microsoft.com/office/drawing/2014/main" id="{2840FACF-2B94-4C84-A7EF-5F3D305D28E4}"/>
+              </a:ext>
+            </a:extLst>
+          </p:cNvPr>
+          <p:cNvCxnSpPr>
+            <a:cxnSpLocks/>
+          </p:cNvCxnSpPr>
+          <p:nvPr/>
+        </p:nvCxnSpPr>
+        <p:spPr>
+          <a:xfrm flipH="1">
+            <a:off x="7033103" y="2007249"/>
+            <a:ext cx="1041752" cy="0"/>
+          </a:xfrm>
+          <a:prstGeom prst="line">
+            <a:avLst/>
+          </a:prstGeom>
+          <a:ln w="76200"/>
+        </p:spPr>
+        <p:style>
+          <a:lnRef idx="1">
+            <a:schemeClr val="accent1"/>
+          </a:lnRef>
+          <a:fillRef idx="0">
+            <a:schemeClr val="accent1"/>
+          </a:fillRef>
+          <a:effectRef idx="0">
+            <a:schemeClr val="accent1"/>
+          </a:effectRef>
+          <a:fontRef idx="minor">
+            <a:schemeClr val="tx1"/>
+          </a:fontRef>
+        </p:style>
+      </p:cxnSp>
+      <p:cxnSp>
+        <p:nvCxnSpPr>
+          <p:cNvPr id="42" name="Connector: Elbow 41">
+            <a:extLst>
+              <a:ext uri="{FF2B5EF4-FFF2-40B4-BE49-F238E27FC236}">
+                <a16:creationId xmlns:a16="http://schemas.microsoft.com/office/drawing/2014/main" id="{2C05C070-48D0-4301-BEBC-B7F7B3455301}"/>
+              </a:ext>
+            </a:extLst>
+          </p:cNvPr>
+          <p:cNvCxnSpPr>
+            <a:cxnSpLocks/>
+            <a:endCxn id="24" idx="1"/>
+          </p:cNvCxnSpPr>
+          <p:nvPr/>
+        </p:nvCxnSpPr>
+        <p:spPr>
+          <a:xfrm>
+            <a:off x="7054531" y="2646405"/>
+            <a:ext cx="1641972" cy="896109"/>
+          </a:xfrm>
+          <a:prstGeom prst="bentConnector3">
+            <a:avLst>
+              <a:gd name="adj1" fmla="val 73989"/>
+            </a:avLst>
+          </a:prstGeom>
+          <a:ln w="76200"/>
+        </p:spPr>
+        <p:style>
+          <a:lnRef idx="1">
+            <a:schemeClr val="accent1"/>
+          </a:lnRef>
+          <a:fillRef idx="0">
+            <a:schemeClr val="accent1"/>
+          </a:fillRef>
+          <a:effectRef idx="0">
+            <a:schemeClr val="accent1"/>
+          </a:effectRef>
+          <a:fontRef idx="minor">
+            <a:schemeClr val="tx1"/>
+          </a:fontRef>
+        </p:style>
+      </p:cxnSp>
+    </p:spTree>
+    <p:extLst>
+      <p:ext uri="{BB962C8B-B14F-4D97-AF65-F5344CB8AC3E}">
+        <p14:creationId xmlns:p14="http://schemas.microsoft.com/office/powerpoint/2010/main" val="1347632257"/>
+      </p:ext>
+    </p:extLst>
+  </p:cSld>
+  <p:clrMapOvr>
+    <a:masterClrMapping/>
+  </p:clrMapOvr>
+</p:sld>
+</file>
+
 <file path=ppt/theme/theme1.xml><?xml version="1.0" encoding="utf-8"?>
 <a:theme xmlns:a="http://schemas.openxmlformats.org/drawingml/2006/main" name="Office Theme">
   <a:themeElements>

--- a/Images.pptx
+++ b/Images.pptx
@@ -7,6 +7,7 @@
   <p:sldIdLst>
     <p:sldId id="256" r:id="rId2"/>
     <p:sldId id="257" r:id="rId3"/>
+    <p:sldId id="258" r:id="rId4"/>
   </p:sldIdLst>
   <p:sldSz cx="12192000" cy="6858000"/>
   <p:notesSz cx="6858000" cy="9144000"/>
@@ -5957,13 +5958,14 @@
           </p:cNvPr>
           <p:cNvCxnSpPr>
             <a:cxnSpLocks/>
+            <a:stCxn id="37" idx="1"/>
           </p:cNvCxnSpPr>
           <p:nvPr/>
         </p:nvCxnSpPr>
         <p:spPr>
-          <a:xfrm flipH="1">
-            <a:off x="7033103" y="2007249"/>
-            <a:ext cx="1041752" cy="0"/>
+          <a:xfrm flipH="1" flipV="1">
+            <a:off x="7054531" y="2011300"/>
+            <a:ext cx="1269074" cy="118"/>
           </a:xfrm>
           <a:prstGeom prst="line">
             <a:avLst/>
@@ -6031,6 +6033,1863 @@
     <p:extLst>
       <p:ext uri="{BB962C8B-B14F-4D97-AF65-F5344CB8AC3E}">
         <p14:creationId xmlns:p14="http://schemas.microsoft.com/office/powerpoint/2010/main" val="1347632257"/>
+      </p:ext>
+    </p:extLst>
+  </p:cSld>
+  <p:clrMapOvr>
+    <a:masterClrMapping/>
+  </p:clrMapOvr>
+</p:sld>
+</file>
+
+<file path=ppt/slides/slide3.xml><?xml version="1.0" encoding="utf-8"?>
+<p:sld xmlns:a="http://schemas.openxmlformats.org/drawingml/2006/main" xmlns:r="http://schemas.openxmlformats.org/officeDocument/2006/relationships" xmlns:p="http://schemas.openxmlformats.org/presentationml/2006/main">
+  <p:cSld>
+    <p:spTree>
+      <p:nvGrpSpPr>
+        <p:cNvPr id="1" name=""/>
+        <p:cNvGrpSpPr/>
+        <p:nvPr/>
+      </p:nvGrpSpPr>
+      <p:grpSpPr>
+        <a:xfrm>
+          <a:off x="0" y="0"/>
+          <a:ext cx="0" cy="0"/>
+          <a:chOff x="0" y="0"/>
+          <a:chExt cx="0" cy="0"/>
+        </a:xfrm>
+      </p:grpSpPr>
+      <p:sp>
+        <p:nvSpPr>
+          <p:cNvPr id="4" name="Rectangle 3">
+            <a:extLst>
+              <a:ext uri="{FF2B5EF4-FFF2-40B4-BE49-F238E27FC236}">
+                <a16:creationId xmlns:a16="http://schemas.microsoft.com/office/drawing/2014/main" id="{1710AA85-F174-410C-9228-D3975656BE81}"/>
+              </a:ext>
+            </a:extLst>
+          </p:cNvPr>
+          <p:cNvSpPr/>
+          <p:nvPr/>
+        </p:nvSpPr>
+        <p:spPr>
+          <a:xfrm>
+            <a:off x="224972" y="1650439"/>
+            <a:ext cx="2053244" cy="1180407"/>
+          </a:xfrm>
+          <a:prstGeom prst="rect">
+            <a:avLst/>
+          </a:prstGeom>
+        </p:spPr>
+        <p:style>
+          <a:lnRef idx="2">
+            <a:schemeClr val="accent1"/>
+          </a:lnRef>
+          <a:fillRef idx="1">
+            <a:schemeClr val="lt1"/>
+          </a:fillRef>
+          <a:effectRef idx="0">
+            <a:schemeClr val="accent1"/>
+          </a:effectRef>
+          <a:fontRef idx="minor">
+            <a:schemeClr val="dk1"/>
+          </a:fontRef>
+        </p:style>
+        <p:txBody>
+          <a:bodyPr rtlCol="0" anchor="ctr"/>
+          <a:lstStyle/>
+          <a:p>
+            <a:pPr algn="ctr"/>
+            <a:endParaRPr lang="en-GB"/>
+          </a:p>
+        </p:txBody>
+      </p:sp>
+      <p:sp>
+        <p:nvSpPr>
+          <p:cNvPr id="5" name="TextBox 4">
+            <a:extLst>
+              <a:ext uri="{FF2B5EF4-FFF2-40B4-BE49-F238E27FC236}">
+                <a16:creationId xmlns:a16="http://schemas.microsoft.com/office/drawing/2014/main" id="{5F72653C-B545-46FB-A1D3-BADBEED01224}"/>
+              </a:ext>
+            </a:extLst>
+          </p:cNvPr>
+          <p:cNvSpPr txBox="1"/>
+          <p:nvPr/>
+        </p:nvSpPr>
+        <p:spPr>
+          <a:xfrm>
+            <a:off x="283161" y="1765031"/>
+            <a:ext cx="1080654" cy="369332"/>
+          </a:xfrm>
+          <a:prstGeom prst="rect">
+            <a:avLst/>
+          </a:prstGeom>
+          <a:noFill/>
+        </p:spPr>
+        <p:txBody>
+          <a:bodyPr wrap="square" rtlCol="0">
+            <a:spAutoFit/>
+          </a:bodyPr>
+          <a:lstStyle/>
+          <a:p>
+            <a:r>
+              <a:rPr lang="en-GB" dirty="0"/>
+              <a:t>.</a:t>
+            </a:r>
+            <a:r>
+              <a:rPr lang="en-GB" dirty="0" err="1"/>
+              <a:t>osm.pbf</a:t>
+            </a:r>
+            <a:endParaRPr lang="en-GB" dirty="0"/>
+          </a:p>
+        </p:txBody>
+      </p:sp>
+      <p:sp>
+        <p:nvSpPr>
+          <p:cNvPr id="6" name="TextBox 5">
+            <a:extLst>
+              <a:ext uri="{FF2B5EF4-FFF2-40B4-BE49-F238E27FC236}">
+                <a16:creationId xmlns:a16="http://schemas.microsoft.com/office/drawing/2014/main" id="{270D81D6-4549-4B2D-9B99-06B80CFAB02E}"/>
+              </a:ext>
+            </a:extLst>
+          </p:cNvPr>
+          <p:cNvSpPr txBox="1"/>
+          <p:nvPr/>
+        </p:nvSpPr>
+        <p:spPr>
+          <a:xfrm>
+            <a:off x="283161" y="2134363"/>
+            <a:ext cx="2227809" cy="523220"/>
+          </a:xfrm>
+          <a:prstGeom prst="rect">
+            <a:avLst/>
+          </a:prstGeom>
+          <a:noFill/>
+        </p:spPr>
+        <p:txBody>
+          <a:bodyPr wrap="square" rtlCol="0">
+            <a:spAutoFit/>
+          </a:bodyPr>
+          <a:lstStyle/>
+          <a:p>
+            <a:r>
+              <a:rPr lang="en-GB" sz="1400" dirty="0"/>
+              <a:t>Raw extract from the OpenStreetMap</a:t>
+            </a:r>
+          </a:p>
+        </p:txBody>
+      </p:sp>
+      <p:sp>
+        <p:nvSpPr>
+          <p:cNvPr id="7" name="Rectangle 6">
+            <a:extLst>
+              <a:ext uri="{FF2B5EF4-FFF2-40B4-BE49-F238E27FC236}">
+                <a16:creationId xmlns:a16="http://schemas.microsoft.com/office/drawing/2014/main" id="{9561220D-6DB0-41C2-BC97-AAC25E264671}"/>
+              </a:ext>
+            </a:extLst>
+          </p:cNvPr>
+          <p:cNvSpPr/>
+          <p:nvPr/>
+        </p:nvSpPr>
+        <p:spPr>
+          <a:xfrm>
+            <a:off x="7188432" y="1535848"/>
+            <a:ext cx="2053244" cy="937348"/>
+          </a:xfrm>
+          <a:prstGeom prst="rect">
+            <a:avLst/>
+          </a:prstGeom>
+        </p:spPr>
+        <p:style>
+          <a:lnRef idx="2">
+            <a:schemeClr val="accent1"/>
+          </a:lnRef>
+          <a:fillRef idx="1">
+            <a:schemeClr val="lt1"/>
+          </a:fillRef>
+          <a:effectRef idx="0">
+            <a:schemeClr val="accent1"/>
+          </a:effectRef>
+          <a:fontRef idx="minor">
+            <a:schemeClr val="dk1"/>
+          </a:fontRef>
+        </p:style>
+        <p:txBody>
+          <a:bodyPr rtlCol="0" anchor="ctr"/>
+          <a:lstStyle/>
+          <a:p>
+            <a:pPr algn="ctr"/>
+            <a:endParaRPr lang="en-GB"/>
+          </a:p>
+        </p:txBody>
+      </p:sp>
+      <p:sp>
+        <p:nvSpPr>
+          <p:cNvPr id="8" name="TextBox 7">
+            <a:extLst>
+              <a:ext uri="{FF2B5EF4-FFF2-40B4-BE49-F238E27FC236}">
+                <a16:creationId xmlns:a16="http://schemas.microsoft.com/office/drawing/2014/main" id="{4881B4E4-6470-4377-AF5D-3C5FF51102D0}"/>
+              </a:ext>
+            </a:extLst>
+          </p:cNvPr>
+          <p:cNvSpPr txBox="1"/>
+          <p:nvPr/>
+        </p:nvSpPr>
+        <p:spPr>
+          <a:xfrm>
+            <a:off x="7246620" y="1650439"/>
+            <a:ext cx="1175867" cy="369332"/>
+          </a:xfrm>
+          <a:prstGeom prst="rect">
+            <a:avLst/>
+          </a:prstGeom>
+          <a:noFill/>
+        </p:spPr>
+        <p:txBody>
+          <a:bodyPr wrap="square" rtlCol="0">
+            <a:spAutoFit/>
+          </a:bodyPr>
+          <a:lstStyle/>
+          <a:p>
+            <a:r>
+              <a:rPr lang="en-GB" dirty="0"/>
+              <a:t>.</a:t>
+            </a:r>
+            <a:r>
+              <a:rPr lang="en-GB" dirty="0" err="1"/>
+              <a:t>mbtiles</a:t>
+            </a:r>
+            <a:endParaRPr lang="en-GB" dirty="0"/>
+          </a:p>
+        </p:txBody>
+      </p:sp>
+      <p:sp>
+        <p:nvSpPr>
+          <p:cNvPr id="9" name="TextBox 8">
+            <a:extLst>
+              <a:ext uri="{FF2B5EF4-FFF2-40B4-BE49-F238E27FC236}">
+                <a16:creationId xmlns:a16="http://schemas.microsoft.com/office/drawing/2014/main" id="{92539847-0899-46E4-91C1-18959E442427}"/>
+              </a:ext>
+            </a:extLst>
+          </p:cNvPr>
+          <p:cNvSpPr txBox="1"/>
+          <p:nvPr/>
+        </p:nvSpPr>
+        <p:spPr>
+          <a:xfrm>
+            <a:off x="7261008" y="2017599"/>
+            <a:ext cx="2424095" cy="307777"/>
+          </a:xfrm>
+          <a:prstGeom prst="rect">
+            <a:avLst/>
+          </a:prstGeom>
+          <a:noFill/>
+        </p:spPr>
+        <p:txBody>
+          <a:bodyPr wrap="square" rtlCol="0">
+            <a:spAutoFit/>
+          </a:bodyPr>
+          <a:lstStyle/>
+          <a:p>
+            <a:r>
+              <a:rPr lang="en-GB" sz="1400" dirty="0"/>
+              <a:t>Single file vector tiles</a:t>
+            </a:r>
+          </a:p>
+        </p:txBody>
+      </p:sp>
+      <p:sp>
+        <p:nvSpPr>
+          <p:cNvPr id="10" name="Rectangle 9">
+            <a:extLst>
+              <a:ext uri="{FF2B5EF4-FFF2-40B4-BE49-F238E27FC236}">
+                <a16:creationId xmlns:a16="http://schemas.microsoft.com/office/drawing/2014/main" id="{0601D733-BBAB-4BFE-A22F-FBDF79C0762A}"/>
+              </a:ext>
+            </a:extLst>
+          </p:cNvPr>
+          <p:cNvSpPr/>
+          <p:nvPr/>
+        </p:nvSpPr>
+        <p:spPr>
+          <a:xfrm>
+            <a:off x="9978736" y="1326742"/>
+            <a:ext cx="1886987" cy="1180407"/>
+          </a:xfrm>
+          <a:prstGeom prst="rect">
+            <a:avLst/>
+          </a:prstGeom>
+        </p:spPr>
+        <p:style>
+          <a:lnRef idx="2">
+            <a:schemeClr val="accent2"/>
+          </a:lnRef>
+          <a:fillRef idx="1">
+            <a:schemeClr val="lt1"/>
+          </a:fillRef>
+          <a:effectRef idx="0">
+            <a:schemeClr val="accent2"/>
+          </a:effectRef>
+          <a:fontRef idx="minor">
+            <a:schemeClr val="dk1"/>
+          </a:fontRef>
+        </p:style>
+        <p:txBody>
+          <a:bodyPr rtlCol="0" anchor="ctr"/>
+          <a:lstStyle/>
+          <a:p>
+            <a:pPr algn="ctr"/>
+            <a:endParaRPr lang="en-GB"/>
+          </a:p>
+        </p:txBody>
+      </p:sp>
+      <p:sp>
+        <p:nvSpPr>
+          <p:cNvPr id="11" name="TextBox 10">
+            <a:extLst>
+              <a:ext uri="{FF2B5EF4-FFF2-40B4-BE49-F238E27FC236}">
+                <a16:creationId xmlns:a16="http://schemas.microsoft.com/office/drawing/2014/main" id="{2E929C98-C875-4558-AB96-C57F1472D01A}"/>
+              </a:ext>
+            </a:extLst>
+          </p:cNvPr>
+          <p:cNvSpPr txBox="1"/>
+          <p:nvPr/>
+        </p:nvSpPr>
+        <p:spPr>
+          <a:xfrm>
+            <a:off x="10029305" y="1395753"/>
+            <a:ext cx="1758830" cy="923330"/>
+          </a:xfrm>
+          <a:prstGeom prst="rect">
+            <a:avLst/>
+          </a:prstGeom>
+          <a:noFill/>
+        </p:spPr>
+        <p:txBody>
+          <a:bodyPr wrap="square" rtlCol="0">
+            <a:spAutoFit/>
+          </a:bodyPr>
+          <a:lstStyle/>
+          <a:p>
+            <a:r>
+              <a:rPr lang="en-GB" dirty="0"/>
+              <a:t>Hosting with specialist tile server </a:t>
+            </a:r>
+          </a:p>
+        </p:txBody>
+      </p:sp>
+      <p:sp>
+        <p:nvSpPr>
+          <p:cNvPr id="13" name="Rectangle 12">
+            <a:extLst>
+              <a:ext uri="{FF2B5EF4-FFF2-40B4-BE49-F238E27FC236}">
+                <a16:creationId xmlns:a16="http://schemas.microsoft.com/office/drawing/2014/main" id="{1078B044-40D5-4A50-A61E-8D7B7BAFBAD3}"/>
+              </a:ext>
+            </a:extLst>
+          </p:cNvPr>
+          <p:cNvSpPr/>
+          <p:nvPr/>
+        </p:nvSpPr>
+        <p:spPr>
+          <a:xfrm>
+            <a:off x="9978736" y="2694100"/>
+            <a:ext cx="1886987" cy="3966958"/>
+          </a:xfrm>
+          <a:prstGeom prst="rect">
+            <a:avLst/>
+          </a:prstGeom>
+        </p:spPr>
+        <p:style>
+          <a:lnRef idx="2">
+            <a:schemeClr val="accent2"/>
+          </a:lnRef>
+          <a:fillRef idx="1">
+            <a:schemeClr val="lt1"/>
+          </a:fillRef>
+          <a:effectRef idx="0">
+            <a:schemeClr val="accent2"/>
+          </a:effectRef>
+          <a:fontRef idx="minor">
+            <a:schemeClr val="dk1"/>
+          </a:fontRef>
+        </p:style>
+        <p:txBody>
+          <a:bodyPr rtlCol="0" anchor="ctr"/>
+          <a:lstStyle/>
+          <a:p>
+            <a:pPr algn="ctr"/>
+            <a:endParaRPr lang="en-GB"/>
+          </a:p>
+        </p:txBody>
+      </p:sp>
+      <p:sp>
+        <p:nvSpPr>
+          <p:cNvPr id="14" name="TextBox 13">
+            <a:extLst>
+              <a:ext uri="{FF2B5EF4-FFF2-40B4-BE49-F238E27FC236}">
+                <a16:creationId xmlns:a16="http://schemas.microsoft.com/office/drawing/2014/main" id="{128597ED-17A9-44E5-94DF-F9171585BA68}"/>
+              </a:ext>
+            </a:extLst>
+          </p:cNvPr>
+          <p:cNvSpPr txBox="1"/>
+          <p:nvPr/>
+        </p:nvSpPr>
+        <p:spPr>
+          <a:xfrm>
+            <a:off x="10036926" y="2808693"/>
+            <a:ext cx="1828798" cy="646331"/>
+          </a:xfrm>
+          <a:prstGeom prst="rect">
+            <a:avLst/>
+          </a:prstGeom>
+          <a:noFill/>
+        </p:spPr>
+        <p:txBody>
+          <a:bodyPr wrap="square" rtlCol="0">
+            <a:spAutoFit/>
+          </a:bodyPr>
+          <a:lstStyle/>
+          <a:p>
+            <a:r>
+              <a:rPr lang="en-GB" dirty="0"/>
+              <a:t>Simple hosting on any server</a:t>
+            </a:r>
+          </a:p>
+        </p:txBody>
+      </p:sp>
+      <p:sp>
+        <p:nvSpPr>
+          <p:cNvPr id="15" name="TextBox 14">
+            <a:extLst>
+              <a:ext uri="{FF2B5EF4-FFF2-40B4-BE49-F238E27FC236}">
+                <a16:creationId xmlns:a16="http://schemas.microsoft.com/office/drawing/2014/main" id="{4D8BEF60-1FDA-4355-ADEF-5CB337F33568}"/>
+              </a:ext>
+            </a:extLst>
+          </p:cNvPr>
+          <p:cNvSpPr txBox="1"/>
+          <p:nvPr/>
+        </p:nvSpPr>
+        <p:spPr>
+          <a:xfrm>
+            <a:off x="10036926" y="3569616"/>
+            <a:ext cx="1807321" cy="738664"/>
+          </a:xfrm>
+          <a:prstGeom prst="rect">
+            <a:avLst/>
+          </a:prstGeom>
+          <a:noFill/>
+        </p:spPr>
+        <p:txBody>
+          <a:bodyPr wrap="square" rtlCol="0">
+            <a:spAutoFit/>
+          </a:bodyPr>
+          <a:lstStyle/>
+          <a:p>
+            <a:r>
+              <a:rPr lang="en-GB" sz="1400" dirty="0"/>
+              <a:t>With modification of HTTP headers to allow </a:t>
+            </a:r>
+            <a:r>
+              <a:rPr lang="en-GB" sz="1400" dirty="0" err="1"/>
+              <a:t>gzip</a:t>
+            </a:r>
+            <a:r>
+              <a:rPr lang="en-GB" sz="1400" dirty="0"/>
+              <a:t> compression</a:t>
+            </a:r>
+          </a:p>
+        </p:txBody>
+      </p:sp>
+      <p:sp>
+        <p:nvSpPr>
+          <p:cNvPr id="16" name="TextBox 15">
+            <a:extLst>
+              <a:ext uri="{FF2B5EF4-FFF2-40B4-BE49-F238E27FC236}">
+                <a16:creationId xmlns:a16="http://schemas.microsoft.com/office/drawing/2014/main" id="{CBA4DB5C-EBC1-489D-8E78-AE2E5AC73CAD}"/>
+              </a:ext>
+            </a:extLst>
+          </p:cNvPr>
+          <p:cNvSpPr txBox="1"/>
+          <p:nvPr/>
+        </p:nvSpPr>
+        <p:spPr>
+          <a:xfrm>
+            <a:off x="10058401" y="5647146"/>
+            <a:ext cx="1785847" cy="523220"/>
+          </a:xfrm>
+          <a:prstGeom prst="rect">
+            <a:avLst/>
+          </a:prstGeom>
+          <a:noFill/>
+        </p:spPr>
+        <p:txBody>
+          <a:bodyPr wrap="square" rtlCol="0">
+            <a:spAutoFit/>
+          </a:bodyPr>
+          <a:lstStyle/>
+          <a:p>
+            <a:r>
+              <a:rPr lang="en-GB" sz="1400" dirty="0"/>
+              <a:t>Without modification of HTTP headers</a:t>
+            </a:r>
+          </a:p>
+        </p:txBody>
+      </p:sp>
+      <p:sp>
+        <p:nvSpPr>
+          <p:cNvPr id="20" name="Rectangle 19">
+            <a:extLst>
+              <a:ext uri="{FF2B5EF4-FFF2-40B4-BE49-F238E27FC236}">
+                <a16:creationId xmlns:a16="http://schemas.microsoft.com/office/drawing/2014/main" id="{65993BE7-6279-424D-B41C-F4E97EE60C56}"/>
+              </a:ext>
+            </a:extLst>
+          </p:cNvPr>
+          <p:cNvSpPr/>
+          <p:nvPr/>
+        </p:nvSpPr>
+        <p:spPr>
+          <a:xfrm>
+            <a:off x="7177348" y="3429912"/>
+            <a:ext cx="2053244" cy="937348"/>
+          </a:xfrm>
+          <a:prstGeom prst="rect">
+            <a:avLst/>
+          </a:prstGeom>
+        </p:spPr>
+        <p:style>
+          <a:lnRef idx="2">
+            <a:schemeClr val="accent1"/>
+          </a:lnRef>
+          <a:fillRef idx="1">
+            <a:schemeClr val="lt1"/>
+          </a:fillRef>
+          <a:effectRef idx="0">
+            <a:schemeClr val="accent1"/>
+          </a:effectRef>
+          <a:fontRef idx="minor">
+            <a:schemeClr val="dk1"/>
+          </a:fontRef>
+        </p:style>
+        <p:txBody>
+          <a:bodyPr rtlCol="0" anchor="ctr"/>
+          <a:lstStyle/>
+          <a:p>
+            <a:pPr algn="ctr"/>
+            <a:endParaRPr lang="en-GB"/>
+          </a:p>
+        </p:txBody>
+      </p:sp>
+      <p:sp>
+        <p:nvSpPr>
+          <p:cNvPr id="21" name="TextBox 20">
+            <a:extLst>
+              <a:ext uri="{FF2B5EF4-FFF2-40B4-BE49-F238E27FC236}">
+                <a16:creationId xmlns:a16="http://schemas.microsoft.com/office/drawing/2014/main" id="{E4E97FE2-8CE1-4E51-970E-4ACBAC56D1D0}"/>
+              </a:ext>
+            </a:extLst>
+          </p:cNvPr>
+          <p:cNvSpPr txBox="1"/>
+          <p:nvPr/>
+        </p:nvSpPr>
+        <p:spPr>
+          <a:xfrm>
+            <a:off x="7188432" y="3487208"/>
+            <a:ext cx="1886986" cy="369332"/>
+          </a:xfrm>
+          <a:prstGeom prst="rect">
+            <a:avLst/>
+          </a:prstGeom>
+          <a:noFill/>
+        </p:spPr>
+        <p:txBody>
+          <a:bodyPr wrap="square" rtlCol="0">
+            <a:spAutoFit/>
+          </a:bodyPr>
+          <a:lstStyle/>
+          <a:p>
+            <a:r>
+              <a:rPr lang="en-GB" dirty="0"/>
+              <a:t>Folder of .</a:t>
+            </a:r>
+            <a:r>
+              <a:rPr lang="en-GB" dirty="0" err="1"/>
+              <a:t>pbf</a:t>
+            </a:r>
+            <a:r>
+              <a:rPr lang="en-GB" dirty="0"/>
+              <a:t> files</a:t>
+            </a:r>
+          </a:p>
+        </p:txBody>
+      </p:sp>
+      <p:sp>
+        <p:nvSpPr>
+          <p:cNvPr id="22" name="TextBox 21">
+            <a:extLst>
+              <a:ext uri="{FF2B5EF4-FFF2-40B4-BE49-F238E27FC236}">
+                <a16:creationId xmlns:a16="http://schemas.microsoft.com/office/drawing/2014/main" id="{87750E26-A844-4113-B2B4-2AE4C4E97490}"/>
+              </a:ext>
+            </a:extLst>
+          </p:cNvPr>
+          <p:cNvSpPr txBox="1"/>
+          <p:nvPr/>
+        </p:nvSpPr>
+        <p:spPr>
+          <a:xfrm>
+            <a:off x="7188432" y="3913835"/>
+            <a:ext cx="2227809" cy="307777"/>
+          </a:xfrm>
+          <a:prstGeom prst="rect">
+            <a:avLst/>
+          </a:prstGeom>
+          <a:noFill/>
+        </p:spPr>
+        <p:txBody>
+          <a:bodyPr wrap="square" rtlCol="0">
+            <a:spAutoFit/>
+          </a:bodyPr>
+          <a:lstStyle/>
+          <a:p>
+            <a:r>
+              <a:rPr lang="en-GB" sz="1400" dirty="0"/>
+              <a:t>With </a:t>
+            </a:r>
+            <a:r>
+              <a:rPr lang="en-GB" sz="1400" dirty="0" err="1"/>
+              <a:t>gzip</a:t>
+            </a:r>
+            <a:r>
+              <a:rPr lang="en-GB" sz="1400" dirty="0"/>
+              <a:t> compression</a:t>
+            </a:r>
+          </a:p>
+        </p:txBody>
+      </p:sp>
+      <p:sp>
+        <p:nvSpPr>
+          <p:cNvPr id="23" name="Rectangle 22">
+            <a:extLst>
+              <a:ext uri="{FF2B5EF4-FFF2-40B4-BE49-F238E27FC236}">
+                <a16:creationId xmlns:a16="http://schemas.microsoft.com/office/drawing/2014/main" id="{A7103B05-7C08-4BB4-918D-ADA622601D17}"/>
+              </a:ext>
+            </a:extLst>
+          </p:cNvPr>
+          <p:cNvSpPr/>
+          <p:nvPr/>
+        </p:nvSpPr>
+        <p:spPr>
+          <a:xfrm>
+            <a:off x="7177348" y="5457936"/>
+            <a:ext cx="2053244" cy="937348"/>
+          </a:xfrm>
+          <a:prstGeom prst="rect">
+            <a:avLst/>
+          </a:prstGeom>
+        </p:spPr>
+        <p:style>
+          <a:lnRef idx="2">
+            <a:schemeClr val="accent1"/>
+          </a:lnRef>
+          <a:fillRef idx="1">
+            <a:schemeClr val="lt1"/>
+          </a:fillRef>
+          <a:effectRef idx="0">
+            <a:schemeClr val="accent1"/>
+          </a:effectRef>
+          <a:fontRef idx="minor">
+            <a:schemeClr val="dk1"/>
+          </a:fontRef>
+        </p:style>
+        <p:txBody>
+          <a:bodyPr rtlCol="0" anchor="ctr"/>
+          <a:lstStyle/>
+          <a:p>
+            <a:pPr algn="ctr"/>
+            <a:endParaRPr lang="en-GB"/>
+          </a:p>
+        </p:txBody>
+      </p:sp>
+      <p:sp>
+        <p:nvSpPr>
+          <p:cNvPr id="24" name="TextBox 23">
+            <a:extLst>
+              <a:ext uri="{FF2B5EF4-FFF2-40B4-BE49-F238E27FC236}">
+                <a16:creationId xmlns:a16="http://schemas.microsoft.com/office/drawing/2014/main" id="{DA9E0AEC-075E-4F5D-938E-A086877545E2}"/>
+              </a:ext>
+            </a:extLst>
+          </p:cNvPr>
+          <p:cNvSpPr txBox="1"/>
+          <p:nvPr/>
+        </p:nvSpPr>
+        <p:spPr>
+          <a:xfrm>
+            <a:off x="7188432" y="5515232"/>
+            <a:ext cx="1886986" cy="369332"/>
+          </a:xfrm>
+          <a:prstGeom prst="rect">
+            <a:avLst/>
+          </a:prstGeom>
+          <a:noFill/>
+        </p:spPr>
+        <p:txBody>
+          <a:bodyPr wrap="square" rtlCol="0">
+            <a:spAutoFit/>
+          </a:bodyPr>
+          <a:lstStyle/>
+          <a:p>
+            <a:r>
+              <a:rPr lang="en-GB" dirty="0"/>
+              <a:t>Folder of .</a:t>
+            </a:r>
+            <a:r>
+              <a:rPr lang="en-GB" dirty="0" err="1"/>
+              <a:t>pbf</a:t>
+            </a:r>
+            <a:r>
+              <a:rPr lang="en-GB" dirty="0"/>
+              <a:t> files</a:t>
+            </a:r>
+          </a:p>
+        </p:txBody>
+      </p:sp>
+      <p:sp>
+        <p:nvSpPr>
+          <p:cNvPr id="25" name="TextBox 24">
+            <a:extLst>
+              <a:ext uri="{FF2B5EF4-FFF2-40B4-BE49-F238E27FC236}">
+                <a16:creationId xmlns:a16="http://schemas.microsoft.com/office/drawing/2014/main" id="{676266AE-5459-4DF7-9D33-FFA71F936740}"/>
+              </a:ext>
+            </a:extLst>
+          </p:cNvPr>
+          <p:cNvSpPr txBox="1"/>
+          <p:nvPr/>
+        </p:nvSpPr>
+        <p:spPr>
+          <a:xfrm>
+            <a:off x="7177347" y="5941859"/>
+            <a:ext cx="2227809" cy="307777"/>
+          </a:xfrm>
+          <a:prstGeom prst="rect">
+            <a:avLst/>
+          </a:prstGeom>
+          <a:noFill/>
+        </p:spPr>
+        <p:txBody>
+          <a:bodyPr wrap="square" rtlCol="0">
+            <a:spAutoFit/>
+          </a:bodyPr>
+          <a:lstStyle/>
+          <a:p>
+            <a:r>
+              <a:rPr lang="en-GB" sz="1400" dirty="0"/>
+              <a:t>Without </a:t>
+            </a:r>
+            <a:r>
+              <a:rPr lang="en-GB" sz="1400" dirty="0" err="1"/>
+              <a:t>gzip</a:t>
+            </a:r>
+            <a:r>
+              <a:rPr lang="en-GB" sz="1400" dirty="0"/>
+              <a:t> compression</a:t>
+            </a:r>
+          </a:p>
+        </p:txBody>
+      </p:sp>
+      <p:cxnSp>
+        <p:nvCxnSpPr>
+          <p:cNvPr id="26" name="Straight Arrow Connector 25">
+            <a:extLst>
+              <a:ext uri="{FF2B5EF4-FFF2-40B4-BE49-F238E27FC236}">
+                <a16:creationId xmlns:a16="http://schemas.microsoft.com/office/drawing/2014/main" id="{1BF1B451-3819-4EBA-8440-732A96CF0F94}"/>
+              </a:ext>
+            </a:extLst>
+          </p:cNvPr>
+          <p:cNvCxnSpPr>
+            <a:cxnSpLocks/>
+          </p:cNvCxnSpPr>
+          <p:nvPr/>
+        </p:nvCxnSpPr>
+        <p:spPr>
+          <a:xfrm>
+            <a:off x="9333963" y="3874508"/>
+            <a:ext cx="569959" cy="0"/>
+          </a:xfrm>
+          <a:prstGeom prst="straightConnector1">
+            <a:avLst/>
+          </a:prstGeom>
+          <a:ln w="76200">
+            <a:tailEnd type="triangle"/>
+          </a:ln>
+        </p:spPr>
+        <p:style>
+          <a:lnRef idx="1">
+            <a:schemeClr val="accent1"/>
+          </a:lnRef>
+          <a:fillRef idx="0">
+            <a:schemeClr val="accent1"/>
+          </a:fillRef>
+          <a:effectRef idx="0">
+            <a:schemeClr val="accent1"/>
+          </a:effectRef>
+          <a:fontRef idx="minor">
+            <a:schemeClr val="tx1"/>
+          </a:fontRef>
+        </p:style>
+      </p:cxnSp>
+      <p:cxnSp>
+        <p:nvCxnSpPr>
+          <p:cNvPr id="28" name="Straight Arrow Connector 27">
+            <a:extLst>
+              <a:ext uri="{FF2B5EF4-FFF2-40B4-BE49-F238E27FC236}">
+                <a16:creationId xmlns:a16="http://schemas.microsoft.com/office/drawing/2014/main" id="{A3B649C2-B664-492A-B883-06A6FCC4AF86}"/>
+              </a:ext>
+            </a:extLst>
+          </p:cNvPr>
+          <p:cNvCxnSpPr>
+            <a:cxnSpLocks/>
+          </p:cNvCxnSpPr>
+          <p:nvPr/>
+        </p:nvCxnSpPr>
+        <p:spPr>
+          <a:xfrm>
+            <a:off x="9333963" y="5941859"/>
+            <a:ext cx="569959" cy="0"/>
+          </a:xfrm>
+          <a:prstGeom prst="straightConnector1">
+            <a:avLst/>
+          </a:prstGeom>
+          <a:ln w="76200">
+            <a:tailEnd type="triangle"/>
+          </a:ln>
+        </p:spPr>
+        <p:style>
+          <a:lnRef idx="1">
+            <a:schemeClr val="accent1"/>
+          </a:lnRef>
+          <a:fillRef idx="0">
+            <a:schemeClr val="accent1"/>
+          </a:fillRef>
+          <a:effectRef idx="0">
+            <a:schemeClr val="accent1"/>
+          </a:effectRef>
+          <a:fontRef idx="minor">
+            <a:schemeClr val="tx1"/>
+          </a:fontRef>
+        </p:style>
+      </p:cxnSp>
+      <p:cxnSp>
+        <p:nvCxnSpPr>
+          <p:cNvPr id="35" name="Straight Arrow Connector 34">
+            <a:extLst>
+              <a:ext uri="{FF2B5EF4-FFF2-40B4-BE49-F238E27FC236}">
+                <a16:creationId xmlns:a16="http://schemas.microsoft.com/office/drawing/2014/main" id="{8116B58A-E66F-428A-BB26-EE938348AEE0}"/>
+              </a:ext>
+            </a:extLst>
+          </p:cNvPr>
+          <p:cNvCxnSpPr>
+            <a:cxnSpLocks/>
+          </p:cNvCxnSpPr>
+          <p:nvPr/>
+        </p:nvCxnSpPr>
+        <p:spPr>
+          <a:xfrm>
+            <a:off x="8181265" y="4556404"/>
+            <a:ext cx="0" cy="664766"/>
+          </a:xfrm>
+          <a:prstGeom prst="straightConnector1">
+            <a:avLst/>
+          </a:prstGeom>
+          <a:ln w="76200">
+            <a:tailEnd type="triangle"/>
+          </a:ln>
+        </p:spPr>
+        <p:style>
+          <a:lnRef idx="1">
+            <a:schemeClr val="accent1"/>
+          </a:lnRef>
+          <a:fillRef idx="0">
+            <a:schemeClr val="accent1"/>
+          </a:fillRef>
+          <a:effectRef idx="0">
+            <a:schemeClr val="accent1"/>
+          </a:effectRef>
+          <a:fontRef idx="minor">
+            <a:schemeClr val="tx1"/>
+          </a:fontRef>
+        </p:style>
+      </p:cxnSp>
+      <p:cxnSp>
+        <p:nvCxnSpPr>
+          <p:cNvPr id="39" name="Straight Arrow Connector 38">
+            <a:extLst>
+              <a:ext uri="{FF2B5EF4-FFF2-40B4-BE49-F238E27FC236}">
+                <a16:creationId xmlns:a16="http://schemas.microsoft.com/office/drawing/2014/main" id="{BAEA3F3F-5C60-4F8A-B377-2573CECB935E}"/>
+              </a:ext>
+            </a:extLst>
+          </p:cNvPr>
+          <p:cNvCxnSpPr>
+            <a:cxnSpLocks/>
+          </p:cNvCxnSpPr>
+          <p:nvPr/>
+        </p:nvCxnSpPr>
+        <p:spPr>
+          <a:xfrm>
+            <a:off x="9333963" y="1916945"/>
+            <a:ext cx="569959" cy="0"/>
+          </a:xfrm>
+          <a:prstGeom prst="straightConnector1">
+            <a:avLst/>
+          </a:prstGeom>
+          <a:ln w="76200">
+            <a:tailEnd type="triangle"/>
+          </a:ln>
+        </p:spPr>
+        <p:style>
+          <a:lnRef idx="1">
+            <a:schemeClr val="accent1"/>
+          </a:lnRef>
+          <a:fillRef idx="0">
+            <a:schemeClr val="accent1"/>
+          </a:fillRef>
+          <a:effectRef idx="0">
+            <a:schemeClr val="accent1"/>
+          </a:effectRef>
+          <a:fontRef idx="minor">
+            <a:schemeClr val="tx1"/>
+          </a:fontRef>
+        </p:style>
+      </p:cxnSp>
+      <p:cxnSp>
+        <p:nvCxnSpPr>
+          <p:cNvPr id="40" name="Straight Arrow Connector 39">
+            <a:extLst>
+              <a:ext uri="{FF2B5EF4-FFF2-40B4-BE49-F238E27FC236}">
+                <a16:creationId xmlns:a16="http://schemas.microsoft.com/office/drawing/2014/main" id="{11072CC9-23BB-4A3D-835E-A64C2BE35FBC}"/>
+              </a:ext>
+            </a:extLst>
+          </p:cNvPr>
+          <p:cNvCxnSpPr>
+            <a:cxnSpLocks/>
+          </p:cNvCxnSpPr>
+          <p:nvPr/>
+        </p:nvCxnSpPr>
+        <p:spPr>
+          <a:xfrm>
+            <a:off x="8181265" y="2613429"/>
+            <a:ext cx="0" cy="664766"/>
+          </a:xfrm>
+          <a:prstGeom prst="straightConnector1">
+            <a:avLst/>
+          </a:prstGeom>
+          <a:ln w="76200">
+            <a:tailEnd type="triangle"/>
+          </a:ln>
+        </p:spPr>
+        <p:style>
+          <a:lnRef idx="1">
+            <a:schemeClr val="accent1"/>
+          </a:lnRef>
+          <a:fillRef idx="0">
+            <a:schemeClr val="accent1"/>
+          </a:fillRef>
+          <a:effectRef idx="0">
+            <a:schemeClr val="accent1"/>
+          </a:effectRef>
+          <a:fontRef idx="minor">
+            <a:schemeClr val="tx1"/>
+          </a:fontRef>
+        </p:style>
+      </p:cxnSp>
+      <p:sp>
+        <p:nvSpPr>
+          <p:cNvPr id="41" name="TextBox 40">
+            <a:extLst>
+              <a:ext uri="{FF2B5EF4-FFF2-40B4-BE49-F238E27FC236}">
+                <a16:creationId xmlns:a16="http://schemas.microsoft.com/office/drawing/2014/main" id="{33ED1C5B-2121-4239-BF16-EE8CDC26DEE2}"/>
+              </a:ext>
+            </a:extLst>
+          </p:cNvPr>
+          <p:cNvSpPr txBox="1"/>
+          <p:nvPr/>
+        </p:nvSpPr>
+        <p:spPr>
+          <a:xfrm>
+            <a:off x="8247221" y="2692536"/>
+            <a:ext cx="673330" cy="307777"/>
+          </a:xfrm>
+          <a:prstGeom prst="rect">
+            <a:avLst/>
+          </a:prstGeom>
+          <a:noFill/>
+        </p:spPr>
+        <p:txBody>
+          <a:bodyPr wrap="square" rtlCol="0">
+            <a:spAutoFit/>
+          </a:bodyPr>
+          <a:lstStyle/>
+          <a:p>
+            <a:r>
+              <a:rPr lang="en-GB" sz="1400" b="1" dirty="0" err="1"/>
+              <a:t>mbutil</a:t>
+            </a:r>
+            <a:endParaRPr lang="en-GB" sz="1400" b="1" dirty="0"/>
+          </a:p>
+        </p:txBody>
+      </p:sp>
+      <p:sp>
+        <p:nvSpPr>
+          <p:cNvPr id="42" name="Rectangle 41">
+            <a:extLst>
+              <a:ext uri="{FF2B5EF4-FFF2-40B4-BE49-F238E27FC236}">
+                <a16:creationId xmlns:a16="http://schemas.microsoft.com/office/drawing/2014/main" id="{CAACC56C-9E6A-4155-B10A-3380F8AE06F2}"/>
+              </a:ext>
+            </a:extLst>
+          </p:cNvPr>
+          <p:cNvSpPr/>
+          <p:nvPr/>
+        </p:nvSpPr>
+        <p:spPr>
+          <a:xfrm>
+            <a:off x="3299146" y="3282087"/>
+            <a:ext cx="2053244" cy="1058878"/>
+          </a:xfrm>
+          <a:prstGeom prst="rect">
+            <a:avLst/>
+          </a:prstGeom>
+        </p:spPr>
+        <p:style>
+          <a:lnRef idx="2">
+            <a:schemeClr val="accent1"/>
+          </a:lnRef>
+          <a:fillRef idx="1">
+            <a:schemeClr val="lt1"/>
+          </a:fillRef>
+          <a:effectRef idx="0">
+            <a:schemeClr val="accent1"/>
+          </a:effectRef>
+          <a:fontRef idx="minor">
+            <a:schemeClr val="dk1"/>
+          </a:fontRef>
+        </p:style>
+        <p:txBody>
+          <a:bodyPr rtlCol="0" anchor="ctr"/>
+          <a:lstStyle/>
+          <a:p>
+            <a:pPr algn="ctr"/>
+            <a:endParaRPr lang="en-GB"/>
+          </a:p>
+        </p:txBody>
+      </p:sp>
+      <p:sp>
+        <p:nvSpPr>
+          <p:cNvPr id="43" name="TextBox 42">
+            <a:extLst>
+              <a:ext uri="{FF2B5EF4-FFF2-40B4-BE49-F238E27FC236}">
+                <a16:creationId xmlns:a16="http://schemas.microsoft.com/office/drawing/2014/main" id="{F714CB72-C23A-4712-902B-F125693422F5}"/>
+              </a:ext>
+            </a:extLst>
+          </p:cNvPr>
+          <p:cNvSpPr txBox="1"/>
+          <p:nvPr/>
+        </p:nvSpPr>
+        <p:spPr>
+          <a:xfrm>
+            <a:off x="3435042" y="3302542"/>
+            <a:ext cx="1080654" cy="369332"/>
+          </a:xfrm>
+          <a:prstGeom prst="rect">
+            <a:avLst/>
+          </a:prstGeom>
+          <a:noFill/>
+        </p:spPr>
+        <p:txBody>
+          <a:bodyPr wrap="square" rtlCol="0">
+            <a:spAutoFit/>
+          </a:bodyPr>
+          <a:lstStyle/>
+          <a:p>
+            <a:r>
+              <a:rPr lang="en-GB" dirty="0"/>
+              <a:t>.</a:t>
+            </a:r>
+            <a:r>
+              <a:rPr lang="en-GB" dirty="0" err="1"/>
+              <a:t>geojson</a:t>
+            </a:r>
+            <a:endParaRPr lang="en-GB" dirty="0"/>
+          </a:p>
+        </p:txBody>
+      </p:sp>
+      <p:sp>
+        <p:nvSpPr>
+          <p:cNvPr id="44" name="TextBox 43">
+            <a:extLst>
+              <a:ext uri="{FF2B5EF4-FFF2-40B4-BE49-F238E27FC236}">
+                <a16:creationId xmlns:a16="http://schemas.microsoft.com/office/drawing/2014/main" id="{4CF8F053-C386-4724-8CC6-D832186E6F1E}"/>
+              </a:ext>
+            </a:extLst>
+          </p:cNvPr>
+          <p:cNvSpPr txBox="1"/>
+          <p:nvPr/>
+        </p:nvSpPr>
+        <p:spPr>
+          <a:xfrm>
+            <a:off x="3435042" y="3671874"/>
+            <a:ext cx="1781453" cy="523220"/>
+          </a:xfrm>
+          <a:prstGeom prst="rect">
+            <a:avLst/>
+          </a:prstGeom>
+          <a:noFill/>
+        </p:spPr>
+        <p:txBody>
+          <a:bodyPr wrap="square" rtlCol="0">
+            <a:spAutoFit/>
+          </a:bodyPr>
+          <a:lstStyle/>
+          <a:p>
+            <a:r>
+              <a:rPr lang="en-GB" sz="1400" dirty="0"/>
+              <a:t>A </a:t>
+            </a:r>
+            <a:r>
+              <a:rPr lang="en-GB" sz="1400" dirty="0" err="1"/>
+              <a:t>GeoJSON</a:t>
+            </a:r>
+            <a:r>
+              <a:rPr lang="en-GB" sz="1400" dirty="0"/>
+              <a:t> file using  CRS epsg:4326</a:t>
+            </a:r>
+          </a:p>
+        </p:txBody>
+      </p:sp>
+      <p:sp>
+        <p:nvSpPr>
+          <p:cNvPr id="45" name="Left Brace 44">
+            <a:extLst>
+              <a:ext uri="{FF2B5EF4-FFF2-40B4-BE49-F238E27FC236}">
+                <a16:creationId xmlns:a16="http://schemas.microsoft.com/office/drawing/2014/main" id="{4F58FFDA-D19A-4C63-A468-E4343EE95D50}"/>
+              </a:ext>
+            </a:extLst>
+          </p:cNvPr>
+          <p:cNvSpPr/>
+          <p:nvPr/>
+        </p:nvSpPr>
+        <p:spPr>
+          <a:xfrm>
+            <a:off x="6352736" y="1963637"/>
+            <a:ext cx="416364" cy="3992286"/>
+          </a:xfrm>
+          <a:prstGeom prst="leftBrace">
+            <a:avLst>
+              <a:gd name="adj1" fmla="val 84588"/>
+              <a:gd name="adj2" fmla="val 47860"/>
+            </a:avLst>
+          </a:prstGeom>
+          <a:ln w="76200"/>
+        </p:spPr>
+        <p:style>
+          <a:lnRef idx="1">
+            <a:schemeClr val="accent1"/>
+          </a:lnRef>
+          <a:fillRef idx="0">
+            <a:schemeClr val="accent1"/>
+          </a:fillRef>
+          <a:effectRef idx="0">
+            <a:schemeClr val="accent1"/>
+          </a:effectRef>
+          <a:fontRef idx="minor">
+            <a:schemeClr val="tx1"/>
+          </a:fontRef>
+        </p:style>
+        <p:txBody>
+          <a:bodyPr rtlCol="0" anchor="ctr"/>
+          <a:lstStyle/>
+          <a:p>
+            <a:pPr algn="ctr"/>
+            <a:endParaRPr lang="en-GB"/>
+          </a:p>
+        </p:txBody>
+      </p:sp>
+      <p:cxnSp>
+        <p:nvCxnSpPr>
+          <p:cNvPr id="46" name="Straight Arrow Connector 45">
+            <a:extLst>
+              <a:ext uri="{FF2B5EF4-FFF2-40B4-BE49-F238E27FC236}">
+                <a16:creationId xmlns:a16="http://schemas.microsoft.com/office/drawing/2014/main" id="{2A10CED3-277F-4592-BF32-ADE3016FF455}"/>
+              </a:ext>
+            </a:extLst>
+          </p:cNvPr>
+          <p:cNvCxnSpPr>
+            <a:cxnSpLocks/>
+          </p:cNvCxnSpPr>
+          <p:nvPr/>
+        </p:nvCxnSpPr>
+        <p:spPr>
+          <a:xfrm>
+            <a:off x="6769099" y="5955923"/>
+            <a:ext cx="408247" cy="0"/>
+          </a:xfrm>
+          <a:prstGeom prst="straightConnector1">
+            <a:avLst/>
+          </a:prstGeom>
+          <a:ln w="76200">
+            <a:tailEnd type="triangle"/>
+          </a:ln>
+        </p:spPr>
+        <p:style>
+          <a:lnRef idx="1">
+            <a:schemeClr val="accent1"/>
+          </a:lnRef>
+          <a:fillRef idx="0">
+            <a:schemeClr val="accent1"/>
+          </a:fillRef>
+          <a:effectRef idx="0">
+            <a:schemeClr val="accent1"/>
+          </a:effectRef>
+          <a:fontRef idx="minor">
+            <a:schemeClr val="tx1"/>
+          </a:fontRef>
+        </p:style>
+      </p:cxnSp>
+      <p:cxnSp>
+        <p:nvCxnSpPr>
+          <p:cNvPr id="48" name="Straight Arrow Connector 47">
+            <a:extLst>
+              <a:ext uri="{FF2B5EF4-FFF2-40B4-BE49-F238E27FC236}">
+                <a16:creationId xmlns:a16="http://schemas.microsoft.com/office/drawing/2014/main" id="{95F7B5BA-4539-4EDC-A311-5C241A291B5A}"/>
+              </a:ext>
+            </a:extLst>
+          </p:cNvPr>
+          <p:cNvCxnSpPr>
+            <a:cxnSpLocks/>
+          </p:cNvCxnSpPr>
+          <p:nvPr/>
+        </p:nvCxnSpPr>
+        <p:spPr>
+          <a:xfrm>
+            <a:off x="6451600" y="3874508"/>
+            <a:ext cx="661324" cy="0"/>
+          </a:xfrm>
+          <a:prstGeom prst="straightConnector1">
+            <a:avLst/>
+          </a:prstGeom>
+          <a:ln w="76200">
+            <a:tailEnd type="triangle"/>
+          </a:ln>
+        </p:spPr>
+        <p:style>
+          <a:lnRef idx="1">
+            <a:schemeClr val="accent1"/>
+          </a:lnRef>
+          <a:fillRef idx="0">
+            <a:schemeClr val="accent1"/>
+          </a:fillRef>
+          <a:effectRef idx="0">
+            <a:schemeClr val="accent1"/>
+          </a:effectRef>
+          <a:fontRef idx="minor">
+            <a:schemeClr val="tx1"/>
+          </a:fontRef>
+        </p:style>
+      </p:cxnSp>
+      <p:cxnSp>
+        <p:nvCxnSpPr>
+          <p:cNvPr id="49" name="Straight Arrow Connector 48">
+            <a:extLst>
+              <a:ext uri="{FF2B5EF4-FFF2-40B4-BE49-F238E27FC236}">
+                <a16:creationId xmlns:a16="http://schemas.microsoft.com/office/drawing/2014/main" id="{6B9059D3-3317-432E-A5E0-3A295522B7A9}"/>
+              </a:ext>
+            </a:extLst>
+          </p:cNvPr>
+          <p:cNvCxnSpPr>
+            <a:cxnSpLocks/>
+          </p:cNvCxnSpPr>
+          <p:nvPr/>
+        </p:nvCxnSpPr>
+        <p:spPr>
+          <a:xfrm>
+            <a:off x="6769099" y="1963637"/>
+            <a:ext cx="408247" cy="0"/>
+          </a:xfrm>
+          <a:prstGeom prst="straightConnector1">
+            <a:avLst/>
+          </a:prstGeom>
+          <a:ln w="76200">
+            <a:tailEnd type="triangle"/>
+          </a:ln>
+        </p:spPr>
+        <p:style>
+          <a:lnRef idx="1">
+            <a:schemeClr val="accent1"/>
+          </a:lnRef>
+          <a:fillRef idx="0">
+            <a:schemeClr val="accent1"/>
+          </a:fillRef>
+          <a:effectRef idx="0">
+            <a:schemeClr val="accent1"/>
+          </a:effectRef>
+          <a:fontRef idx="minor">
+            <a:schemeClr val="tx1"/>
+          </a:fontRef>
+        </p:style>
+      </p:cxnSp>
+      <p:cxnSp>
+        <p:nvCxnSpPr>
+          <p:cNvPr id="51" name="Straight Connector 50">
+            <a:extLst>
+              <a:ext uri="{FF2B5EF4-FFF2-40B4-BE49-F238E27FC236}">
+                <a16:creationId xmlns:a16="http://schemas.microsoft.com/office/drawing/2014/main" id="{3B0EACCA-5538-42FB-AAB9-5864881716B2}"/>
+              </a:ext>
+            </a:extLst>
+          </p:cNvPr>
+          <p:cNvCxnSpPr>
+            <a:cxnSpLocks/>
+          </p:cNvCxnSpPr>
+          <p:nvPr/>
+        </p:nvCxnSpPr>
+        <p:spPr>
+          <a:xfrm flipH="1">
+            <a:off x="5435464" y="3874451"/>
+            <a:ext cx="774836" cy="0"/>
+          </a:xfrm>
+          <a:prstGeom prst="line">
+            <a:avLst/>
+          </a:prstGeom>
+          <a:ln w="76200"/>
+        </p:spPr>
+        <p:style>
+          <a:lnRef idx="1">
+            <a:schemeClr val="accent1"/>
+          </a:lnRef>
+          <a:fillRef idx="0">
+            <a:schemeClr val="accent1"/>
+          </a:fillRef>
+          <a:effectRef idx="0">
+            <a:schemeClr val="accent1"/>
+          </a:effectRef>
+          <a:fontRef idx="minor">
+            <a:schemeClr val="tx1"/>
+          </a:fontRef>
+        </p:style>
+      </p:cxnSp>
+      <p:sp>
+        <p:nvSpPr>
+          <p:cNvPr id="53" name="TextBox 52">
+            <a:extLst>
+              <a:ext uri="{FF2B5EF4-FFF2-40B4-BE49-F238E27FC236}">
+                <a16:creationId xmlns:a16="http://schemas.microsoft.com/office/drawing/2014/main" id="{CF4CAA97-F3EB-46B5-AB5A-5510285D1DF7}"/>
+              </a:ext>
+            </a:extLst>
+          </p:cNvPr>
+          <p:cNvSpPr txBox="1"/>
+          <p:nvPr/>
+        </p:nvSpPr>
+        <p:spPr>
+          <a:xfrm>
+            <a:off x="5371320" y="3488744"/>
+            <a:ext cx="957376" cy="307777"/>
+          </a:xfrm>
+          <a:prstGeom prst="rect">
+            <a:avLst/>
+          </a:prstGeom>
+          <a:noFill/>
+        </p:spPr>
+        <p:txBody>
+          <a:bodyPr wrap="square" rtlCol="0">
+            <a:spAutoFit/>
+          </a:bodyPr>
+          <a:lstStyle/>
+          <a:p>
+            <a:r>
+              <a:rPr lang="en-GB" sz="1400" b="1" dirty="0" err="1"/>
+              <a:t>tippcanoe</a:t>
+            </a:r>
+            <a:endParaRPr lang="en-GB" sz="1400" b="1" dirty="0"/>
+          </a:p>
+        </p:txBody>
+      </p:sp>
+      <p:sp>
+        <p:nvSpPr>
+          <p:cNvPr id="55" name="Rectangle 54">
+            <a:extLst>
+              <a:ext uri="{FF2B5EF4-FFF2-40B4-BE49-F238E27FC236}">
+                <a16:creationId xmlns:a16="http://schemas.microsoft.com/office/drawing/2014/main" id="{C2533CCF-AF90-403A-A0D0-1D2ED9C8ED17}"/>
+              </a:ext>
+            </a:extLst>
+          </p:cNvPr>
+          <p:cNvSpPr/>
+          <p:nvPr/>
+        </p:nvSpPr>
+        <p:spPr>
+          <a:xfrm>
+            <a:off x="209814" y="3179828"/>
+            <a:ext cx="2053244" cy="1274307"/>
+          </a:xfrm>
+          <a:prstGeom prst="rect">
+            <a:avLst/>
+          </a:prstGeom>
+        </p:spPr>
+        <p:style>
+          <a:lnRef idx="2">
+            <a:schemeClr val="accent1"/>
+          </a:lnRef>
+          <a:fillRef idx="1">
+            <a:schemeClr val="lt1"/>
+          </a:fillRef>
+          <a:effectRef idx="0">
+            <a:schemeClr val="accent1"/>
+          </a:effectRef>
+          <a:fontRef idx="minor">
+            <a:schemeClr val="dk1"/>
+          </a:fontRef>
+        </p:style>
+        <p:txBody>
+          <a:bodyPr rtlCol="0" anchor="ctr"/>
+          <a:lstStyle/>
+          <a:p>
+            <a:pPr algn="ctr"/>
+            <a:endParaRPr lang="en-GB"/>
+          </a:p>
+        </p:txBody>
+      </p:sp>
+      <p:sp>
+        <p:nvSpPr>
+          <p:cNvPr id="56" name="TextBox 55">
+            <a:extLst>
+              <a:ext uri="{FF2B5EF4-FFF2-40B4-BE49-F238E27FC236}">
+                <a16:creationId xmlns:a16="http://schemas.microsoft.com/office/drawing/2014/main" id="{33743F2C-7521-4F5E-A508-002FC5732EBF}"/>
+              </a:ext>
+            </a:extLst>
+          </p:cNvPr>
+          <p:cNvSpPr txBox="1"/>
+          <p:nvPr/>
+        </p:nvSpPr>
+        <p:spPr>
+          <a:xfrm>
+            <a:off x="345710" y="3200284"/>
+            <a:ext cx="1080654" cy="369332"/>
+          </a:xfrm>
+          <a:prstGeom prst="rect">
+            <a:avLst/>
+          </a:prstGeom>
+          <a:noFill/>
+        </p:spPr>
+        <p:txBody>
+          <a:bodyPr wrap="square" rtlCol="0">
+            <a:spAutoFit/>
+          </a:bodyPr>
+          <a:lstStyle/>
+          <a:p>
+            <a:r>
+              <a:rPr lang="en-GB" dirty="0"/>
+              <a:t>.</a:t>
+            </a:r>
+            <a:r>
+              <a:rPr lang="en-GB" dirty="0" err="1"/>
+              <a:t>gpkg</a:t>
+            </a:r>
+            <a:endParaRPr lang="en-GB" dirty="0"/>
+          </a:p>
+        </p:txBody>
+      </p:sp>
+      <p:sp>
+        <p:nvSpPr>
+          <p:cNvPr id="57" name="TextBox 56">
+            <a:extLst>
+              <a:ext uri="{FF2B5EF4-FFF2-40B4-BE49-F238E27FC236}">
+                <a16:creationId xmlns:a16="http://schemas.microsoft.com/office/drawing/2014/main" id="{BADB1649-097D-4088-B55E-85811824E04A}"/>
+              </a:ext>
+            </a:extLst>
+          </p:cNvPr>
+          <p:cNvSpPr txBox="1"/>
+          <p:nvPr/>
+        </p:nvSpPr>
+        <p:spPr>
+          <a:xfrm>
+            <a:off x="345710" y="3569616"/>
+            <a:ext cx="1781453" cy="738664"/>
+          </a:xfrm>
+          <a:prstGeom prst="rect">
+            <a:avLst/>
+          </a:prstGeom>
+          <a:noFill/>
+        </p:spPr>
+        <p:txBody>
+          <a:bodyPr wrap="square" rtlCol="0">
+            <a:spAutoFit/>
+          </a:bodyPr>
+          <a:lstStyle/>
+          <a:p>
+            <a:r>
+              <a:rPr lang="en-GB" sz="1400" dirty="0"/>
+              <a:t>Your spatial data in any format e.g. .</a:t>
+            </a:r>
+            <a:r>
+              <a:rPr lang="en-GB" sz="1400" dirty="0" err="1"/>
+              <a:t>shp</a:t>
+            </a:r>
+            <a:r>
+              <a:rPr lang="en-GB" sz="1400" dirty="0"/>
+              <a:t> or .</a:t>
+            </a:r>
+            <a:r>
+              <a:rPr lang="en-GB" sz="1400" dirty="0" err="1"/>
+              <a:t>gpgk</a:t>
+            </a:r>
+            <a:endParaRPr lang="en-GB" sz="1400" dirty="0"/>
+          </a:p>
+        </p:txBody>
+      </p:sp>
+      <p:cxnSp>
+        <p:nvCxnSpPr>
+          <p:cNvPr id="58" name="Straight Arrow Connector 57">
+            <a:extLst>
+              <a:ext uri="{FF2B5EF4-FFF2-40B4-BE49-F238E27FC236}">
+                <a16:creationId xmlns:a16="http://schemas.microsoft.com/office/drawing/2014/main" id="{AD46C973-AE77-473F-A69D-CA857C90FE3F}"/>
+              </a:ext>
+            </a:extLst>
+          </p:cNvPr>
+          <p:cNvCxnSpPr>
+            <a:cxnSpLocks/>
+          </p:cNvCxnSpPr>
+          <p:nvPr/>
+        </p:nvCxnSpPr>
+        <p:spPr>
+          <a:xfrm>
+            <a:off x="2370974" y="3796521"/>
+            <a:ext cx="816726" cy="0"/>
+          </a:xfrm>
+          <a:prstGeom prst="straightConnector1">
+            <a:avLst/>
+          </a:prstGeom>
+          <a:ln w="76200">
+            <a:tailEnd type="triangle"/>
+          </a:ln>
+        </p:spPr>
+        <p:style>
+          <a:lnRef idx="1">
+            <a:schemeClr val="accent1"/>
+          </a:lnRef>
+          <a:fillRef idx="0">
+            <a:schemeClr val="accent1"/>
+          </a:fillRef>
+          <a:effectRef idx="0">
+            <a:schemeClr val="accent1"/>
+          </a:effectRef>
+          <a:fontRef idx="minor">
+            <a:schemeClr val="tx1"/>
+          </a:fontRef>
+        </p:style>
+      </p:cxnSp>
+      <p:sp>
+        <p:nvSpPr>
+          <p:cNvPr id="60" name="TextBox 59">
+            <a:extLst>
+              <a:ext uri="{FF2B5EF4-FFF2-40B4-BE49-F238E27FC236}">
+                <a16:creationId xmlns:a16="http://schemas.microsoft.com/office/drawing/2014/main" id="{FD8D8750-DD9D-41F7-BA45-D71B9B0089E6}"/>
+              </a:ext>
+            </a:extLst>
+          </p:cNvPr>
+          <p:cNvSpPr txBox="1"/>
+          <p:nvPr/>
+        </p:nvSpPr>
+        <p:spPr>
+          <a:xfrm>
+            <a:off x="2336228" y="3248443"/>
+            <a:ext cx="957376" cy="523220"/>
+          </a:xfrm>
+          <a:prstGeom prst="rect">
+            <a:avLst/>
+          </a:prstGeom>
+          <a:noFill/>
+        </p:spPr>
+        <p:txBody>
+          <a:bodyPr wrap="square" rtlCol="0">
+            <a:spAutoFit/>
+          </a:bodyPr>
+          <a:lstStyle/>
+          <a:p>
+            <a:r>
+              <a:rPr lang="en-GB" sz="1400" b="1" dirty="0"/>
+              <a:t>Any GIS software</a:t>
+            </a:r>
+          </a:p>
+        </p:txBody>
+      </p:sp>
+      <p:sp>
+        <p:nvSpPr>
+          <p:cNvPr id="61" name="TextBox 60">
+            <a:extLst>
+              <a:ext uri="{FF2B5EF4-FFF2-40B4-BE49-F238E27FC236}">
+                <a16:creationId xmlns:a16="http://schemas.microsoft.com/office/drawing/2014/main" id="{6CB96EC9-A5CB-4650-9DAD-3E3217306E2A}"/>
+              </a:ext>
+            </a:extLst>
+          </p:cNvPr>
+          <p:cNvSpPr txBox="1"/>
+          <p:nvPr/>
+        </p:nvSpPr>
+        <p:spPr>
+          <a:xfrm>
+            <a:off x="8277772" y="4676526"/>
+            <a:ext cx="673330" cy="307777"/>
+          </a:xfrm>
+          <a:prstGeom prst="rect">
+            <a:avLst/>
+          </a:prstGeom>
+          <a:noFill/>
+        </p:spPr>
+        <p:txBody>
+          <a:bodyPr wrap="square" rtlCol="0">
+            <a:spAutoFit/>
+          </a:bodyPr>
+          <a:lstStyle/>
+          <a:p>
+            <a:r>
+              <a:rPr lang="en-GB" sz="1400" b="1" dirty="0"/>
+              <a:t>bash</a:t>
+            </a:r>
+          </a:p>
+        </p:txBody>
+      </p:sp>
+      <p:sp>
+        <p:nvSpPr>
+          <p:cNvPr id="62" name="Rectangle 61">
+            <a:extLst>
+              <a:ext uri="{FF2B5EF4-FFF2-40B4-BE49-F238E27FC236}">
+                <a16:creationId xmlns:a16="http://schemas.microsoft.com/office/drawing/2014/main" id="{5BB0AD08-75F2-4D4D-8DE4-4C8D7CD51796}"/>
+              </a:ext>
+            </a:extLst>
+          </p:cNvPr>
+          <p:cNvSpPr/>
+          <p:nvPr/>
+        </p:nvSpPr>
+        <p:spPr>
+          <a:xfrm>
+            <a:off x="224972" y="146335"/>
+            <a:ext cx="2053244" cy="1180407"/>
+          </a:xfrm>
+          <a:prstGeom prst="rect">
+            <a:avLst/>
+          </a:prstGeom>
+        </p:spPr>
+        <p:style>
+          <a:lnRef idx="2">
+            <a:schemeClr val="accent1"/>
+          </a:lnRef>
+          <a:fillRef idx="1">
+            <a:schemeClr val="lt1"/>
+          </a:fillRef>
+          <a:effectRef idx="0">
+            <a:schemeClr val="accent1"/>
+          </a:effectRef>
+          <a:fontRef idx="minor">
+            <a:schemeClr val="dk1"/>
+          </a:fontRef>
+        </p:style>
+        <p:txBody>
+          <a:bodyPr rtlCol="0" anchor="ctr"/>
+          <a:lstStyle/>
+          <a:p>
+            <a:pPr algn="ctr"/>
+            <a:endParaRPr lang="en-GB"/>
+          </a:p>
+        </p:txBody>
+      </p:sp>
+      <p:sp>
+        <p:nvSpPr>
+          <p:cNvPr id="63" name="TextBox 62">
+            <a:extLst>
+              <a:ext uri="{FF2B5EF4-FFF2-40B4-BE49-F238E27FC236}">
+                <a16:creationId xmlns:a16="http://schemas.microsoft.com/office/drawing/2014/main" id="{2AEE89E4-0966-44E5-8899-1EA1D2E0DE04}"/>
+              </a:ext>
+            </a:extLst>
+          </p:cNvPr>
+          <p:cNvSpPr txBox="1"/>
+          <p:nvPr/>
+        </p:nvSpPr>
+        <p:spPr>
+          <a:xfrm>
+            <a:off x="283160" y="260927"/>
+            <a:ext cx="1755873" cy="369332"/>
+          </a:xfrm>
+          <a:prstGeom prst="rect">
+            <a:avLst/>
+          </a:prstGeom>
+          <a:noFill/>
+        </p:spPr>
+        <p:txBody>
+          <a:bodyPr wrap="square" rtlCol="0">
+            <a:spAutoFit/>
+          </a:bodyPr>
+          <a:lstStyle/>
+          <a:p>
+            <a:r>
+              <a:rPr lang="en-GB" dirty="0" err="1"/>
+              <a:t>OpenMapTiles</a:t>
+            </a:r>
+            <a:endParaRPr lang="en-GB" dirty="0"/>
+          </a:p>
+        </p:txBody>
+      </p:sp>
+      <p:sp>
+        <p:nvSpPr>
+          <p:cNvPr id="64" name="TextBox 63">
+            <a:extLst>
+              <a:ext uri="{FF2B5EF4-FFF2-40B4-BE49-F238E27FC236}">
+                <a16:creationId xmlns:a16="http://schemas.microsoft.com/office/drawing/2014/main" id="{AAA0ACAE-B07F-4617-B89B-7C20EBC19C6A}"/>
+              </a:ext>
+            </a:extLst>
+          </p:cNvPr>
+          <p:cNvSpPr txBox="1"/>
+          <p:nvPr/>
+        </p:nvSpPr>
+        <p:spPr>
+          <a:xfrm>
+            <a:off x="283161" y="630259"/>
+            <a:ext cx="2227809" cy="523220"/>
+          </a:xfrm>
+          <a:prstGeom prst="rect">
+            <a:avLst/>
+          </a:prstGeom>
+          <a:noFill/>
+        </p:spPr>
+        <p:txBody>
+          <a:bodyPr wrap="square" rtlCol="0">
+            <a:spAutoFit/>
+          </a:bodyPr>
+          <a:lstStyle/>
+          <a:p>
+            <a:r>
+              <a:rPr lang="en-GB" sz="1400" dirty="0"/>
+              <a:t>Download tiles for your area or whole planet</a:t>
+            </a:r>
+          </a:p>
+        </p:txBody>
+      </p:sp>
+      <p:cxnSp>
+        <p:nvCxnSpPr>
+          <p:cNvPr id="66" name="Connector: Elbow 65">
+            <a:extLst>
+              <a:ext uri="{FF2B5EF4-FFF2-40B4-BE49-F238E27FC236}">
+                <a16:creationId xmlns:a16="http://schemas.microsoft.com/office/drawing/2014/main" id="{9A8E327A-B21B-45A6-8215-D4A83E940CC9}"/>
+              </a:ext>
+            </a:extLst>
+          </p:cNvPr>
+          <p:cNvCxnSpPr>
+            <a:cxnSpLocks/>
+            <a:endCxn id="7" idx="0"/>
+          </p:cNvCxnSpPr>
+          <p:nvPr/>
+        </p:nvCxnSpPr>
+        <p:spPr>
+          <a:xfrm>
+            <a:off x="2278216" y="716511"/>
+            <a:ext cx="5936838" cy="819337"/>
+          </a:xfrm>
+          <a:prstGeom prst="bentConnector2">
+            <a:avLst/>
+          </a:prstGeom>
+          <a:ln w="76200">
+            <a:tailEnd type="triangle"/>
+          </a:ln>
+        </p:spPr>
+        <p:style>
+          <a:lnRef idx="1">
+            <a:schemeClr val="accent1"/>
+          </a:lnRef>
+          <a:fillRef idx="0">
+            <a:schemeClr val="accent1"/>
+          </a:fillRef>
+          <a:effectRef idx="0">
+            <a:schemeClr val="accent1"/>
+          </a:effectRef>
+          <a:fontRef idx="minor">
+            <a:schemeClr val="tx1"/>
+          </a:fontRef>
+        </p:style>
+      </p:cxnSp>
+      <p:cxnSp>
+        <p:nvCxnSpPr>
+          <p:cNvPr id="68" name="Connector: Elbow 67">
+            <a:extLst>
+              <a:ext uri="{FF2B5EF4-FFF2-40B4-BE49-F238E27FC236}">
+                <a16:creationId xmlns:a16="http://schemas.microsoft.com/office/drawing/2014/main" id="{2C912F0D-446D-4BA3-AA86-DB0B5C39F66C}"/>
+              </a:ext>
+            </a:extLst>
+          </p:cNvPr>
+          <p:cNvCxnSpPr>
+            <a:cxnSpLocks/>
+          </p:cNvCxnSpPr>
+          <p:nvPr/>
+        </p:nvCxnSpPr>
+        <p:spPr>
+          <a:xfrm flipV="1">
+            <a:off x="2289302" y="1723887"/>
+            <a:ext cx="4899129" cy="542148"/>
+          </a:xfrm>
+          <a:prstGeom prst="bentConnector3">
+            <a:avLst>
+              <a:gd name="adj1" fmla="val 50000"/>
+            </a:avLst>
+          </a:prstGeom>
+          <a:ln w="76200">
+            <a:tailEnd type="triangle"/>
+          </a:ln>
+        </p:spPr>
+        <p:style>
+          <a:lnRef idx="1">
+            <a:schemeClr val="accent1"/>
+          </a:lnRef>
+          <a:fillRef idx="0">
+            <a:schemeClr val="accent1"/>
+          </a:fillRef>
+          <a:effectRef idx="0">
+            <a:schemeClr val="accent1"/>
+          </a:effectRef>
+          <a:fontRef idx="minor">
+            <a:schemeClr val="tx1"/>
+          </a:fontRef>
+        </p:style>
+      </p:cxnSp>
+      <p:sp>
+        <p:nvSpPr>
+          <p:cNvPr id="70" name="TextBox 69">
+            <a:extLst>
+              <a:ext uri="{FF2B5EF4-FFF2-40B4-BE49-F238E27FC236}">
+                <a16:creationId xmlns:a16="http://schemas.microsoft.com/office/drawing/2014/main" id="{A703574A-8992-4778-83A2-A729BC65128D}"/>
+              </a:ext>
+            </a:extLst>
+          </p:cNvPr>
+          <p:cNvSpPr txBox="1"/>
+          <p:nvPr/>
+        </p:nvSpPr>
+        <p:spPr>
+          <a:xfrm>
+            <a:off x="2697548" y="1880992"/>
+            <a:ext cx="1269386" cy="307777"/>
+          </a:xfrm>
+          <a:prstGeom prst="rect">
+            <a:avLst/>
+          </a:prstGeom>
+          <a:noFill/>
+        </p:spPr>
+        <p:txBody>
+          <a:bodyPr wrap="square" rtlCol="0">
+            <a:spAutoFit/>
+          </a:bodyPr>
+          <a:lstStyle/>
+          <a:p>
+            <a:r>
+              <a:rPr lang="en-GB" sz="1400" b="1" dirty="0" err="1"/>
+              <a:t>openmaptiles</a:t>
+            </a:r>
+            <a:endParaRPr lang="en-GB" sz="1400" b="1" dirty="0"/>
+          </a:p>
+        </p:txBody>
+      </p:sp>
+    </p:spTree>
+    <p:extLst>
+      <p:ext uri="{BB962C8B-B14F-4D97-AF65-F5344CB8AC3E}">
+        <p14:creationId xmlns:p14="http://schemas.microsoft.com/office/powerpoint/2010/main" val="3476632022"/>
       </p:ext>
     </p:extLst>
   </p:cSld>

--- a/Images.pptx
+++ b/Images.pptx
@@ -263,7 +263,7 @@
           <a:p>
             <a:fld id="{56D5A66A-3357-4630-88A3-378A5EEB3FA3}" type="datetimeFigureOut">
               <a:rPr lang="en-GB" smtClean="0"/>
-              <a:t>26/03/2020</a:t>
+              <a:t>22/07/2020</a:t>
             </a:fld>
             <a:endParaRPr lang="en-GB"/>
           </a:p>
@@ -463,7 +463,7 @@
           <a:p>
             <a:fld id="{56D5A66A-3357-4630-88A3-378A5EEB3FA3}" type="datetimeFigureOut">
               <a:rPr lang="en-GB" smtClean="0"/>
-              <a:t>26/03/2020</a:t>
+              <a:t>22/07/2020</a:t>
             </a:fld>
             <a:endParaRPr lang="en-GB"/>
           </a:p>
@@ -673,7 +673,7 @@
           <a:p>
             <a:fld id="{56D5A66A-3357-4630-88A3-378A5EEB3FA3}" type="datetimeFigureOut">
               <a:rPr lang="en-GB" smtClean="0"/>
-              <a:t>26/03/2020</a:t>
+              <a:t>22/07/2020</a:t>
             </a:fld>
             <a:endParaRPr lang="en-GB"/>
           </a:p>
@@ -873,7 +873,7 @@
           <a:p>
             <a:fld id="{56D5A66A-3357-4630-88A3-378A5EEB3FA3}" type="datetimeFigureOut">
               <a:rPr lang="en-GB" smtClean="0"/>
-              <a:t>26/03/2020</a:t>
+              <a:t>22/07/2020</a:t>
             </a:fld>
             <a:endParaRPr lang="en-GB"/>
           </a:p>
@@ -1149,7 +1149,7 @@
           <a:p>
             <a:fld id="{56D5A66A-3357-4630-88A3-378A5EEB3FA3}" type="datetimeFigureOut">
               <a:rPr lang="en-GB" smtClean="0"/>
-              <a:t>26/03/2020</a:t>
+              <a:t>22/07/2020</a:t>
             </a:fld>
             <a:endParaRPr lang="en-GB"/>
           </a:p>
@@ -1417,7 +1417,7 @@
           <a:p>
             <a:fld id="{56D5A66A-3357-4630-88A3-378A5EEB3FA3}" type="datetimeFigureOut">
               <a:rPr lang="en-GB" smtClean="0"/>
-              <a:t>26/03/2020</a:t>
+              <a:t>22/07/2020</a:t>
             </a:fld>
             <a:endParaRPr lang="en-GB"/>
           </a:p>
@@ -1832,7 +1832,7 @@
           <a:p>
             <a:fld id="{56D5A66A-3357-4630-88A3-378A5EEB3FA3}" type="datetimeFigureOut">
               <a:rPr lang="en-GB" smtClean="0"/>
-              <a:t>26/03/2020</a:t>
+              <a:t>22/07/2020</a:t>
             </a:fld>
             <a:endParaRPr lang="en-GB"/>
           </a:p>
@@ -1974,7 +1974,7 @@
           <a:p>
             <a:fld id="{56D5A66A-3357-4630-88A3-378A5EEB3FA3}" type="datetimeFigureOut">
               <a:rPr lang="en-GB" smtClean="0"/>
-              <a:t>26/03/2020</a:t>
+              <a:t>22/07/2020</a:t>
             </a:fld>
             <a:endParaRPr lang="en-GB"/>
           </a:p>
@@ -2087,7 +2087,7 @@
           <a:p>
             <a:fld id="{56D5A66A-3357-4630-88A3-378A5EEB3FA3}" type="datetimeFigureOut">
               <a:rPr lang="en-GB" smtClean="0"/>
-              <a:t>26/03/2020</a:t>
+              <a:t>22/07/2020</a:t>
             </a:fld>
             <a:endParaRPr lang="en-GB"/>
           </a:p>
@@ -2400,7 +2400,7 @@
           <a:p>
             <a:fld id="{56D5A66A-3357-4630-88A3-378A5EEB3FA3}" type="datetimeFigureOut">
               <a:rPr lang="en-GB" smtClean="0"/>
-              <a:t>26/03/2020</a:t>
+              <a:t>22/07/2020</a:t>
             </a:fld>
             <a:endParaRPr lang="en-GB"/>
           </a:p>
@@ -2689,7 +2689,7 @@
           <a:p>
             <a:fld id="{56D5A66A-3357-4630-88A3-378A5EEB3FA3}" type="datetimeFigureOut">
               <a:rPr lang="en-GB" smtClean="0"/>
-              <a:t>26/03/2020</a:t>
+              <a:t>22/07/2020</a:t>
             </a:fld>
             <a:endParaRPr lang="en-GB"/>
           </a:p>
@@ -2932,7 +2932,7 @@
           <a:p>
             <a:fld id="{56D5A66A-3357-4630-88A3-378A5EEB3FA3}" type="datetimeFigureOut">
               <a:rPr lang="en-GB" smtClean="0"/>
-              <a:t>26/03/2020</a:t>
+              <a:t>22/07/2020</a:t>
             </a:fld>
             <a:endParaRPr lang="en-GB"/>
           </a:p>
@@ -7879,6 +7879,41 @@
           <a:lstStyle/>
           <a:p>
             <a:r>
+              <a:rPr lang="en-GB" sz="1400" b="1" dirty="0"/>
+              <a:t>tilemaker </a:t>
+            </a:r>
+          </a:p>
+        </p:txBody>
+      </p:sp>
+      <p:sp>
+        <p:nvSpPr>
+          <p:cNvPr id="2" name="TextBox 1">
+            <a:extLst>
+              <a:ext uri="{FF2B5EF4-FFF2-40B4-BE49-F238E27FC236}">
+                <a16:creationId xmlns:a16="http://schemas.microsoft.com/office/drawing/2014/main" id="{9382D864-75D1-4D94-B6D5-961BBB0B2C24}"/>
+              </a:ext>
+            </a:extLst>
+          </p:cNvPr>
+          <p:cNvSpPr txBox="1"/>
+          <p:nvPr/>
+        </p:nvSpPr>
+        <p:spPr>
+          <a:xfrm>
+            <a:off x="2705983" y="2339950"/>
+            <a:ext cx="1269386" cy="307777"/>
+          </a:xfrm>
+          <a:prstGeom prst="rect">
+            <a:avLst/>
+          </a:prstGeom>
+          <a:noFill/>
+        </p:spPr>
+        <p:txBody>
+          <a:bodyPr wrap="square" rtlCol="0">
+            <a:spAutoFit/>
+          </a:bodyPr>
+          <a:lstStyle/>
+          <a:p>
+            <a:r>
               <a:rPr lang="en-GB" sz="1400" b="1" dirty="0" err="1"/>
               <a:t>openmaptiles</a:t>
             </a:r>
